--- a/Poster.pptx
+++ b/Poster.pptx
@@ -228,14 +228,14 @@
             <a:noFill/>
           </a:ln>
           <a:extLst>
-            <a:ext uri="{909E8E84-426E-40DD-AFC4-6F175D3DCCD1}">
+            <a:ext uri="{909E8E84-426E-40dd-AFC4-6F175D3DCCD1}">
               <a14:hiddenFill xmlns:a14="http://schemas.microsoft.com/office/drawing/2010/main">
                 <a:solidFill>
                   <a:srgbClr val="FFFFFF"/>
                 </a:solidFill>
               </a14:hiddenFill>
             </a:ext>
-            <a:ext uri="{91240B29-F687-4F45-9708-019B960494DF}">
+            <a:ext uri="{91240B29-F687-4f45-9708-019B960494DF}">
               <a14:hiddenLine xmlns:a14="http://schemas.microsoft.com/office/drawing/2010/main" w="9525">
                 <a:solidFill>
                   <a:srgbClr val="000000"/>
@@ -517,14 +517,14 @@
           <a:noFill/>
           <a:ln/>
           <a:extLst>
-            <a:ext uri="{909E8E84-426E-40DD-AFC4-6F175D3DCCD1}">
+            <a:ext uri="{909E8E84-426E-40dd-AFC4-6F175D3DCCD1}">
               <a14:hiddenFill xmlns:a14="http://schemas.microsoft.com/office/drawing/2010/main">
                 <a:solidFill>
                   <a:srgbClr val="FFFFFF"/>
                 </a:solidFill>
               </a14:hiddenFill>
             </a:ext>
-            <a:ext uri="{91240B29-F687-4F45-9708-019B960494DF}">
+            <a:ext uri="{91240B29-F687-4f45-9708-019B960494DF}">
               <a14:hiddenLine xmlns:a14="http://schemas.microsoft.com/office/drawing/2010/main" w="9525">
                 <a:solidFill>
                   <a:srgbClr val="000000"/>
@@ -2247,14 +2247,14 @@
             <a:noFill/>
           </a:ln>
           <a:extLst>
-            <a:ext uri="{909E8E84-426E-40DD-AFC4-6F175D3DCCD1}">
+            <a:ext uri="{909E8E84-426E-40dd-AFC4-6F175D3DCCD1}">
               <a14:hiddenFill xmlns:a14="http://schemas.microsoft.com/office/drawing/2010/main">
                 <a:solidFill>
                   <a:srgbClr val="FFFFFF"/>
                 </a:solidFill>
               </a14:hiddenFill>
             </a:ext>
-            <a:ext uri="{91240B29-F687-4F45-9708-019B960494DF}">
+            <a:ext uri="{91240B29-F687-4f45-9708-019B960494DF}">
               <a14:hiddenLine xmlns:a14="http://schemas.microsoft.com/office/drawing/2010/main" w="9525">
                 <a:solidFill>
                   <a:srgbClr val="000000"/>
@@ -2305,14 +2305,14 @@
             <a:noFill/>
           </a:ln>
           <a:extLst>
-            <a:ext uri="{909E8E84-426E-40DD-AFC4-6F175D3DCCD1}">
+            <a:ext uri="{909E8E84-426E-40dd-AFC4-6F175D3DCCD1}">
               <a14:hiddenFill xmlns:a14="http://schemas.microsoft.com/office/drawing/2010/main">
                 <a:solidFill>
                   <a:srgbClr val="FFFFFF"/>
                 </a:solidFill>
               </a14:hiddenFill>
             </a:ext>
-            <a:ext uri="{91240B29-F687-4F45-9708-019B960494DF}">
+            <a:ext uri="{91240B29-F687-4f45-9708-019B960494DF}">
               <a14:hiddenLine xmlns:a14="http://schemas.microsoft.com/office/drawing/2010/main" w="9525">
                 <a:solidFill>
                   <a:srgbClr val="000000"/>
@@ -2985,7 +2985,7 @@
             <a:noFill/>
           </a:ln>
           <a:extLst>
-            <a:ext uri="{91240B29-F687-4F45-9708-019B960494DF}">
+            <a:ext uri="{91240B29-F687-4f45-9708-019B960494DF}">
               <a14:hiddenLine xmlns:a14="http://schemas.microsoft.com/office/drawing/2010/main" w="9525">
                 <a:solidFill>
                   <a:srgbClr val="000000"/>
@@ -3032,7 +3032,7 @@
             <a:noFill/>
           </a:ln>
           <a:extLst>
-            <a:ext uri="{91240B29-F687-4F45-9708-019B960494DF}">
+            <a:ext uri="{91240B29-F687-4f45-9708-019B960494DF}">
               <a14:hiddenLine xmlns:a14="http://schemas.microsoft.com/office/drawing/2010/main" w="72000">
                 <a:solidFill>
                   <a:srgbClr val="000000"/>
@@ -3082,7 +3082,7 @@
             <a:noFill/>
           </a:ln>
           <a:extLst>
-            <a:ext uri="{91240B29-F687-4F45-9708-019B960494DF}">
+            <a:ext uri="{91240B29-F687-4f45-9708-019B960494DF}">
               <a14:hiddenLine xmlns:a14="http://schemas.microsoft.com/office/drawing/2010/main" w="9525">
                 <a:solidFill>
                   <a:srgbClr val="000000"/>
@@ -3127,7 +3127,7 @@
             <a:noFill/>
           </a:ln>
           <a:extLst>
-            <a:ext uri="{91240B29-F687-4F45-9708-019B960494DF}">
+            <a:ext uri="{91240B29-F687-4f45-9708-019B960494DF}">
               <a14:hiddenLine xmlns:a14="http://schemas.microsoft.com/office/drawing/2010/main" w="9525">
                 <a:solidFill>
                   <a:srgbClr val="000000"/>
@@ -3170,14 +3170,14 @@
             <a:noFill/>
           </a:ln>
           <a:extLst>
-            <a:ext uri="{909E8E84-426E-40DD-AFC4-6F175D3DCCD1}">
+            <a:ext uri="{909E8E84-426E-40dd-AFC4-6F175D3DCCD1}">
               <a14:hiddenFill xmlns:a14="http://schemas.microsoft.com/office/drawing/2010/main">
                 <a:solidFill>
                   <a:srgbClr val="FFFFFF"/>
                 </a:solidFill>
               </a14:hiddenFill>
             </a:ext>
-            <a:ext uri="{91240B29-F687-4F45-9708-019B960494DF}">
+            <a:ext uri="{91240B29-F687-4f45-9708-019B960494DF}">
               <a14:hiddenLine xmlns:a14="http://schemas.microsoft.com/office/drawing/2010/main" w="9525">
                 <a:solidFill>
                   <a:srgbClr val="000000"/>
@@ -3738,14 +3738,14 @@
             <a:noFill/>
           </a:ln>
           <a:extLst>
-            <a:ext uri="{909E8E84-426E-40DD-AFC4-6F175D3DCCD1}">
+            <a:ext uri="{909E8E84-426E-40dd-AFC4-6F175D3DCCD1}">
               <a14:hiddenFill xmlns:a14="http://schemas.microsoft.com/office/drawing/2010/main">
                 <a:solidFill>
                   <a:srgbClr val="FFFFFF"/>
                 </a:solidFill>
               </a14:hiddenFill>
             </a:ext>
-            <a:ext uri="{91240B29-F687-4F45-9708-019B960494DF}">
+            <a:ext uri="{91240B29-F687-4f45-9708-019B960494DF}">
               <a14:hiddenLine xmlns:a14="http://schemas.microsoft.com/office/drawing/2010/main" w="9525">
                 <a:solidFill>
                   <a:srgbClr val="000000"/>
@@ -4329,14 +4329,14 @@
                 <a:noFill/>
               </a:ln>
               <a:extLst>
-                <a:ext uri="{909E8E84-426E-40DD-AFC4-6F175D3DCCD1}">
+                <a:ext uri="{909E8E84-426E-40dd-AFC4-6F175D3DCCD1}">
                   <a14:hiddenFill>
                     <a:solidFill>
                       <a:srgbClr val="FFFFFF"/>
                     </a:solidFill>
                   </a14:hiddenFill>
                 </a:ext>
-                <a:ext uri="{91240B29-F687-4F45-9708-019B960494DF}">
+                <a:ext uri="{91240B29-F687-4f45-9708-019B960494DF}">
                   <a14:hiddenLine w="9525">
                     <a:solidFill>
                       <a:srgbClr val="000000"/>
@@ -4687,7 +4687,7 @@
                   <a:t>. There are </a:t>
                 </a:r>
                 <a14:m>
-                  <m:oMath xmlns:m="http://schemas.openxmlformats.org/officeDocument/2006/math">
+                  <m:oMath xmlns:m="http://schemas.openxmlformats.org/officeDocument/2006/math" xmlns="">
                     <m:sSup>
                       <m:sSupPr>
                         <m:ctrlPr>
@@ -4835,7 +4835,7 @@
             <a:noFill/>
           </a:ln>
           <a:extLst>
-            <a:ext uri="{91240B29-F687-4F45-9708-019B960494DF}">
+            <a:ext uri="{91240B29-F687-4f45-9708-019B960494DF}">
               <a14:hiddenLine xmlns:a14="http://schemas.microsoft.com/office/drawing/2010/main" w="9525">
                 <a:solidFill>
                   <a:srgbClr val="000000"/>
@@ -4882,7 +4882,7 @@
             <a:noFill/>
           </a:ln>
           <a:extLst>
-            <a:ext uri="{91240B29-F687-4F45-9708-019B960494DF}">
+            <a:ext uri="{91240B29-F687-4f45-9708-019B960494DF}">
               <a14:hiddenLine xmlns:a14="http://schemas.microsoft.com/office/drawing/2010/main" w="9525">
                 <a:solidFill>
                   <a:srgbClr val="000000"/>
@@ -4923,14 +4923,14 @@
             <a:noFill/>
           </a:ln>
           <a:extLst>
-            <a:ext uri="{909E8E84-426E-40DD-AFC4-6F175D3DCCD1}">
+            <a:ext uri="{909E8E84-426E-40dd-AFC4-6F175D3DCCD1}">
               <a14:hiddenFill xmlns:a14="http://schemas.microsoft.com/office/drawing/2010/main">
                 <a:solidFill>
                   <a:srgbClr val="FFFFFF"/>
                 </a:solidFill>
               </a14:hiddenFill>
             </a:ext>
-            <a:ext uri="{91240B29-F687-4F45-9708-019B960494DF}">
+            <a:ext uri="{91240B29-F687-4f45-9708-019B960494DF}">
               <a14:hiddenLine xmlns:a14="http://schemas.microsoft.com/office/drawing/2010/main" w="9525">
                 <a:solidFill>
                   <a:srgbClr val="000000"/>
@@ -5126,14 +5126,14 @@
             <a:noFill/>
           </a:ln>
           <a:extLst>
-            <a:ext uri="{909E8E84-426E-40DD-AFC4-6F175D3DCCD1}">
+            <a:ext uri="{909E8E84-426E-40dd-AFC4-6F175D3DCCD1}">
               <a14:hiddenFill xmlns:a14="http://schemas.microsoft.com/office/drawing/2010/main">
                 <a:solidFill>
                   <a:srgbClr val="FFFFFF"/>
                 </a:solidFill>
               </a14:hiddenFill>
             </a:ext>
-            <a:ext uri="{91240B29-F687-4F45-9708-019B960494DF}">
+            <a:ext uri="{91240B29-F687-4f45-9708-019B960494DF}">
               <a14:hiddenLine xmlns:a14="http://schemas.microsoft.com/office/drawing/2010/main" w="9525">
                 <a:solidFill>
                   <a:srgbClr val="000000"/>
@@ -5329,14 +5329,14 @@
             <a:noFill/>
           </a:ln>
           <a:extLst>
-            <a:ext uri="{909E8E84-426E-40DD-AFC4-6F175D3DCCD1}">
+            <a:ext uri="{909E8E84-426E-40dd-AFC4-6F175D3DCCD1}">
               <a14:hiddenFill xmlns:a14="http://schemas.microsoft.com/office/drawing/2010/main">
                 <a:solidFill>
                   <a:srgbClr val="FFFFFF"/>
                 </a:solidFill>
               </a14:hiddenFill>
             </a:ext>
-            <a:ext uri="{91240B29-F687-4F45-9708-019B960494DF}">
+            <a:ext uri="{91240B29-F687-4f45-9708-019B960494DF}">
               <a14:hiddenLine xmlns:a14="http://schemas.microsoft.com/office/drawing/2010/main" w="9525">
                 <a:solidFill>
                   <a:srgbClr val="000000"/>
@@ -5577,14 +5577,14 @@
             <a:noFill/>
           </a:ln>
           <a:extLst>
-            <a:ext uri="{909E8E84-426E-40DD-AFC4-6F175D3DCCD1}">
+            <a:ext uri="{909E8E84-426E-40dd-AFC4-6F175D3DCCD1}">
               <a14:hiddenFill xmlns:a14="http://schemas.microsoft.com/office/drawing/2010/main">
                 <a:solidFill>
                   <a:srgbClr val="FFFFFF"/>
                 </a:solidFill>
               </a14:hiddenFill>
             </a:ext>
-            <a:ext uri="{91240B29-F687-4F45-9708-019B960494DF}">
+            <a:ext uri="{91240B29-F687-4f45-9708-019B960494DF}">
               <a14:hiddenLine xmlns:a14="http://schemas.microsoft.com/office/drawing/2010/main" w="9525">
                 <a:solidFill>
                   <a:srgbClr val="000000"/>
@@ -5915,7 +5915,7 @@
             <a:noFill/>
           </a:ln>
           <a:extLst>
-            <a:ext uri="{91240B29-F687-4F45-9708-019B960494DF}">
+            <a:ext uri="{91240B29-F687-4f45-9708-019B960494DF}">
               <a14:hiddenLine xmlns:a14="http://schemas.microsoft.com/office/drawing/2010/main" w="72000">
                 <a:solidFill>
                   <a:srgbClr val="000000"/>
@@ -5959,14 +5959,14 @@
             <a:noFill/>
           </a:ln>
           <a:extLst>
-            <a:ext uri="{909E8E84-426E-40DD-AFC4-6F175D3DCCD1}">
+            <a:ext uri="{909E8E84-426E-40dd-AFC4-6F175D3DCCD1}">
               <a14:hiddenFill xmlns:a14="http://schemas.microsoft.com/office/drawing/2010/main">
                 <a:solidFill>
                   <a:srgbClr val="FFFFFF"/>
                 </a:solidFill>
               </a14:hiddenFill>
             </a:ext>
-            <a:ext uri="{91240B29-F687-4F45-9708-019B960494DF}">
+            <a:ext uri="{91240B29-F687-4f45-9708-019B960494DF}">
               <a14:hiddenLine xmlns:a14="http://schemas.microsoft.com/office/drawing/2010/main" w="9525">
                 <a:solidFill>
                   <a:srgbClr val="000000"/>
@@ -6177,7 +6177,7 @@
             <a:noFill/>
           </a:ln>
           <a:extLst>
-            <a:ext uri="{91240B29-F687-4F45-9708-019B960494DF}">
+            <a:ext uri="{91240B29-F687-4f45-9708-019B960494DF}">
               <a14:hiddenLine xmlns:a14="http://schemas.microsoft.com/office/drawing/2010/main" w="72000">
                 <a:solidFill>
                   <a:srgbClr val="000000"/>
@@ -6261,14 +6261,14 @@
             <a:noFill/>
           </a:ln>
           <a:extLst>
-            <a:ext uri="{909E8E84-426E-40DD-AFC4-6F175D3DCCD1}">
+            <a:ext uri="{909E8E84-426E-40dd-AFC4-6F175D3DCCD1}">
               <a14:hiddenFill xmlns:a14="http://schemas.microsoft.com/office/drawing/2010/main">
                 <a:solidFill>
                   <a:srgbClr val="FFFFFF"/>
                 </a:solidFill>
               </a14:hiddenFill>
             </a:ext>
-            <a:ext uri="{91240B29-F687-4F45-9708-019B960494DF}">
+            <a:ext uri="{91240B29-F687-4f45-9708-019B960494DF}">
               <a14:hiddenLine xmlns:a14="http://schemas.microsoft.com/office/drawing/2010/main" w="9525">
                 <a:solidFill>
                   <a:srgbClr val="000000"/>
@@ -6584,14 +6584,14 @@
             <a:noFill/>
           </a:ln>
           <a:extLst>
-            <a:ext uri="{909E8E84-426E-40DD-AFC4-6F175D3DCCD1}">
+            <a:ext uri="{909E8E84-426E-40dd-AFC4-6F175D3DCCD1}">
               <a14:hiddenFill xmlns:a14="http://schemas.microsoft.com/office/drawing/2010/main">
                 <a:solidFill>
                   <a:srgbClr val="FFFFFF"/>
                 </a:solidFill>
               </a14:hiddenFill>
             </a:ext>
-            <a:ext uri="{91240B29-F687-4F45-9708-019B960494DF}">
+            <a:ext uri="{91240B29-F687-4f45-9708-019B960494DF}">
               <a14:hiddenLine xmlns:a14="http://schemas.microsoft.com/office/drawing/2010/main" w="9525">
                 <a:solidFill>
                   <a:srgbClr val="000000"/>
@@ -6822,14 +6822,14 @@
             <a:noFill/>
           </a:ln>
           <a:extLst>
-            <a:ext uri="{909E8E84-426E-40DD-AFC4-6F175D3DCCD1}">
+            <a:ext uri="{909E8E84-426E-40dd-AFC4-6F175D3DCCD1}">
               <a14:hiddenFill xmlns:a14="http://schemas.microsoft.com/office/drawing/2010/main">
                 <a:solidFill>
                   <a:srgbClr val="FFFFFF"/>
                 </a:solidFill>
               </a14:hiddenFill>
             </a:ext>
-            <a:ext uri="{91240B29-F687-4F45-9708-019B960494DF}">
+            <a:ext uri="{91240B29-F687-4f45-9708-019B960494DF}">
               <a14:hiddenLine xmlns:a14="http://schemas.microsoft.com/office/drawing/2010/main" w="9525">
                 <a:solidFill>
                   <a:srgbClr val="000000"/>
@@ -7032,14 +7032,14 @@
             <a:noFill/>
           </a:ln>
           <a:extLst>
-            <a:ext uri="{909E8E84-426E-40DD-AFC4-6F175D3DCCD1}">
+            <a:ext uri="{909E8E84-426E-40dd-AFC4-6F175D3DCCD1}">
               <a14:hiddenFill xmlns:a14="http://schemas.microsoft.com/office/drawing/2010/main">
                 <a:solidFill>
                   <a:srgbClr val="FFFFFF"/>
                 </a:solidFill>
               </a14:hiddenFill>
             </a:ext>
-            <a:ext uri="{91240B29-F687-4F45-9708-019B960494DF}">
+            <a:ext uri="{91240B29-F687-4f45-9708-019B960494DF}">
               <a14:hiddenLine xmlns:a14="http://schemas.microsoft.com/office/drawing/2010/main" w="9525">
                 <a:solidFill>
                   <a:srgbClr val="000000"/>
@@ -7073,14 +7073,14 @@
             <a:noFill/>
           </a:ln>
           <a:extLst>
-            <a:ext uri="{909E8E84-426E-40DD-AFC4-6F175D3DCCD1}">
+            <a:ext uri="{909E8E84-426E-40dd-AFC4-6F175D3DCCD1}">
               <a14:hiddenFill xmlns:a14="http://schemas.microsoft.com/office/drawing/2010/main">
                 <a:solidFill>
                   <a:srgbClr val="FFFFFF"/>
                 </a:solidFill>
               </a14:hiddenFill>
             </a:ext>
-            <a:ext uri="{91240B29-F687-4F45-9708-019B960494DF}">
+            <a:ext uri="{91240B29-F687-4f45-9708-019B960494DF}">
               <a14:hiddenLine xmlns:a14="http://schemas.microsoft.com/office/drawing/2010/main" w="9525">
                 <a:solidFill>
                   <a:srgbClr val="000000"/>
@@ -7440,7 +7440,7 @@
             <a:noFill/>
           </a:ln>
           <a:extLst>
-            <a:ext uri="{91240B29-F687-4F45-9708-019B960494DF}">
+            <a:ext uri="{91240B29-F687-4f45-9708-019B960494DF}">
               <a14:hiddenLine xmlns:a14="http://schemas.microsoft.com/office/drawing/2010/main" w="9525">
                 <a:solidFill>
                   <a:srgbClr val="000000"/>
@@ -7483,14 +7483,14 @@
             <a:noFill/>
           </a:ln>
           <a:extLst>
-            <a:ext uri="{909E8E84-426E-40DD-AFC4-6F175D3DCCD1}">
+            <a:ext uri="{909E8E84-426E-40dd-AFC4-6F175D3DCCD1}">
               <a14:hiddenFill xmlns:a14="http://schemas.microsoft.com/office/drawing/2010/main">
                 <a:solidFill>
                   <a:srgbClr val="FFFFFF"/>
                 </a:solidFill>
               </a14:hiddenFill>
             </a:ext>
-            <a:ext uri="{91240B29-F687-4F45-9708-019B960494DF}">
+            <a:ext uri="{91240B29-F687-4f45-9708-019B960494DF}">
               <a14:hiddenLine xmlns:a14="http://schemas.microsoft.com/office/drawing/2010/main" w="9525">
                 <a:solidFill>
                   <a:srgbClr val="000000"/>
@@ -7823,7 +7823,7 @@
             <a:noFill/>
           </a:ln>
           <a:extLst>
-            <a:ext uri="{91240B29-F687-4F45-9708-019B960494DF}">
+            <a:ext uri="{91240B29-F687-4f45-9708-019B960494DF}">
               <a14:hiddenLine xmlns:a14="http://schemas.microsoft.com/office/drawing/2010/main" w="9525">
                 <a:solidFill>
                   <a:srgbClr val="000000"/>
@@ -7866,14 +7866,14 @@
             <a:noFill/>
           </a:ln>
           <a:extLst>
-            <a:ext uri="{909E8E84-426E-40DD-AFC4-6F175D3DCCD1}">
+            <a:ext uri="{909E8E84-426E-40dd-AFC4-6F175D3DCCD1}">
               <a14:hiddenFill xmlns:a14="http://schemas.microsoft.com/office/drawing/2010/main">
                 <a:solidFill>
                   <a:srgbClr val="FFFFFF"/>
                 </a:solidFill>
               </a14:hiddenFill>
             </a:ext>
-            <a:ext uri="{91240B29-F687-4F45-9708-019B960494DF}">
+            <a:ext uri="{91240B29-F687-4f45-9708-019B960494DF}">
               <a14:hiddenLine xmlns:a14="http://schemas.microsoft.com/office/drawing/2010/main" w="9525">
                 <a:solidFill>
                   <a:srgbClr val="000000"/>
@@ -8191,7 +8191,7 @@
             <a:noFill/>
           </a:ln>
           <a:extLst>
-            <a:ext uri="{91240B29-F687-4F45-9708-019B960494DF}">
+            <a:ext uri="{91240B29-F687-4f45-9708-019B960494DF}">
               <a14:hiddenLine xmlns:a14="http://schemas.microsoft.com/office/drawing/2010/main" w="9525">
                 <a:solidFill>
                   <a:srgbClr val="000000"/>
@@ -8234,14 +8234,14 @@
             <a:noFill/>
           </a:ln>
           <a:extLst>
-            <a:ext uri="{909E8E84-426E-40DD-AFC4-6F175D3DCCD1}">
+            <a:ext uri="{909E8E84-426E-40dd-AFC4-6F175D3DCCD1}">
               <a14:hiddenFill xmlns:a14="http://schemas.microsoft.com/office/drawing/2010/main">
                 <a:solidFill>
                   <a:srgbClr val="FFFFFF"/>
                 </a:solidFill>
               </a14:hiddenFill>
             </a:ext>
-            <a:ext uri="{91240B29-F687-4F45-9708-019B960494DF}">
+            <a:ext uri="{91240B29-F687-4f45-9708-019B960494DF}">
               <a14:hiddenLine xmlns:a14="http://schemas.microsoft.com/office/drawing/2010/main" w="9525">
                 <a:solidFill>
                   <a:srgbClr val="000000"/>
@@ -8559,7 +8559,7 @@
             <a:noFill/>
           </a:ln>
           <a:extLst>
-            <a:ext uri="{91240B29-F687-4F45-9708-019B960494DF}">
+            <a:ext uri="{91240B29-F687-4f45-9708-019B960494DF}">
               <a14:hiddenLine xmlns:a14="http://schemas.microsoft.com/office/drawing/2010/main" w="9525">
                 <a:solidFill>
                   <a:srgbClr val="000000"/>
@@ -8602,14 +8602,14 @@
             <a:noFill/>
           </a:ln>
           <a:extLst>
-            <a:ext uri="{909E8E84-426E-40DD-AFC4-6F175D3DCCD1}">
+            <a:ext uri="{909E8E84-426E-40dd-AFC4-6F175D3DCCD1}">
               <a14:hiddenFill xmlns:a14="http://schemas.microsoft.com/office/drawing/2010/main">
                 <a:solidFill>
                   <a:srgbClr val="FFFFFF"/>
                 </a:solidFill>
               </a14:hiddenFill>
             </a:ext>
-            <a:ext uri="{91240B29-F687-4F45-9708-019B960494DF}">
+            <a:ext uri="{91240B29-F687-4f45-9708-019B960494DF}">
               <a14:hiddenLine xmlns:a14="http://schemas.microsoft.com/office/drawing/2010/main" w="9525">
                 <a:solidFill>
                   <a:srgbClr val="000000"/>
@@ -8965,14 +8965,14 @@
             <a:noFill/>
           </a:ln>
           <a:extLst>
-            <a:ext uri="{909E8E84-426E-40DD-AFC4-6F175D3DCCD1}">
+            <a:ext uri="{909E8E84-426E-40dd-AFC4-6F175D3DCCD1}">
               <a14:hiddenFill xmlns:a14="http://schemas.microsoft.com/office/drawing/2010/main">
                 <a:solidFill>
                   <a:srgbClr val="FFFFFF"/>
                 </a:solidFill>
               </a14:hiddenFill>
             </a:ext>
-            <a:ext uri="{91240B29-F687-4F45-9708-019B960494DF}">
+            <a:ext uri="{91240B29-F687-4f45-9708-019B960494DF}">
               <a14:hiddenLine xmlns:a14="http://schemas.microsoft.com/office/drawing/2010/main" w="9525">
                 <a:solidFill>
                   <a:srgbClr val="000000"/>
@@ -9328,14 +9328,14 @@
             <a:noFill/>
           </a:ln>
           <a:extLst>
-            <a:ext uri="{909E8E84-426E-40DD-AFC4-6F175D3DCCD1}">
+            <a:ext uri="{909E8E84-426E-40dd-AFC4-6F175D3DCCD1}">
               <a14:hiddenFill xmlns:a14="http://schemas.microsoft.com/office/drawing/2010/main">
                 <a:solidFill>
                   <a:srgbClr val="FFFFFF"/>
                 </a:solidFill>
               </a14:hiddenFill>
             </a:ext>
-            <a:ext uri="{91240B29-F687-4F45-9708-019B960494DF}">
+            <a:ext uri="{91240B29-F687-4f45-9708-019B960494DF}">
               <a14:hiddenLine xmlns:a14="http://schemas.microsoft.com/office/drawing/2010/main" w="9525">
                 <a:solidFill>
                   <a:srgbClr val="000000"/>
@@ -9653,14 +9653,14 @@
                 <a:noFill/>
               </a:ln>
               <a:extLst>
-                <a:ext uri="{909E8E84-426E-40DD-AFC4-6F175D3DCCD1}">
+                <a:ext uri="{909E8E84-426E-40dd-AFC4-6F175D3DCCD1}">
                   <a14:hiddenFill>
                     <a:solidFill>
                       <a:srgbClr val="FFFFFF"/>
                     </a:solidFill>
                   </a14:hiddenFill>
                 </a:ext>
-                <a:ext uri="{91240B29-F687-4F45-9708-019B960494DF}">
+                <a:ext uri="{91240B29-F687-4f45-9708-019B960494DF}">
                   <a14:hiddenLine w="9525">
                     <a:solidFill>
                       <a:srgbClr val="000000"/>
@@ -10116,7 +10116,7 @@
                   </a:spcAft>
                 </a:pPr>
                 <a14:m>
-                  <m:oMathPara xmlns:m="http://schemas.openxmlformats.org/officeDocument/2006/math">
+                  <m:oMathPara xmlns:m="http://schemas.openxmlformats.org/officeDocument/2006/math" xmlns="">
                     <m:oMathParaPr>
                       <m:jc m:val="centerGroup"/>
                     </m:oMathParaPr>
@@ -10283,7 +10283,7 @@
                   </a:spcAft>
                 </a:pPr>
                 <a14:m>
-                  <m:oMathPara xmlns:m="http://schemas.openxmlformats.org/officeDocument/2006/math">
+                  <m:oMathPara xmlns:m="http://schemas.openxmlformats.org/officeDocument/2006/math" xmlns="">
                     <m:oMathParaPr>
                       <m:jc m:val="centerGroup"/>
                     </m:oMathParaPr>
@@ -10508,7 +10508,7 @@
                   </a:spcAft>
                 </a:pPr>
                 <a14:m>
-                  <m:oMathPara xmlns:m="http://schemas.openxmlformats.org/officeDocument/2006/math">
+                  <m:oMathPara xmlns:m="http://schemas.openxmlformats.org/officeDocument/2006/math" xmlns="">
                     <m:oMathParaPr>
                       <m:jc m:val="centerGroup"/>
                     </m:oMathParaPr>
@@ -10733,7 +10733,7 @@
                   <a:t>Where </a:t>
                 </a:r>
                 <a14:m>
-                  <m:oMath xmlns:m="http://schemas.openxmlformats.org/officeDocument/2006/math">
+                  <m:oMath xmlns:m="http://schemas.openxmlformats.org/officeDocument/2006/math" xmlns="">
                     <m:r>
                       <a:rPr lang="en-CA" i="1">
                         <a:solidFill>
@@ -11053,14 +11053,14 @@
             <a:noFill/>
           </a:ln>
           <a:extLst>
-            <a:ext uri="{909E8E84-426E-40DD-AFC4-6F175D3DCCD1}">
+            <a:ext uri="{909E8E84-426E-40dd-AFC4-6F175D3DCCD1}">
               <a14:hiddenFill xmlns:a14="http://schemas.microsoft.com/office/drawing/2010/main">
                 <a:solidFill>
                   <a:srgbClr val="FFFFFF"/>
                 </a:solidFill>
               </a14:hiddenFill>
             </a:ext>
-            <a:ext uri="{91240B29-F687-4F45-9708-019B960494DF}">
+            <a:ext uri="{91240B29-F687-4f45-9708-019B960494DF}">
               <a14:hiddenLine xmlns:a14="http://schemas.microsoft.com/office/drawing/2010/main" w="9525">
                 <a:solidFill>
                   <a:srgbClr val="000000"/>
@@ -11107,14 +11107,14 @@
             <a:noFill/>
           </a:ln>
           <a:extLst>
-            <a:ext uri="{909E8E84-426E-40DD-AFC4-6F175D3DCCD1}">
+            <a:ext uri="{909E8E84-426E-40dd-AFC4-6F175D3DCCD1}">
               <a14:hiddenFill xmlns:a14="http://schemas.microsoft.com/office/drawing/2010/main">
                 <a:solidFill>
                   <a:srgbClr val="FFFFFF"/>
                 </a:solidFill>
               </a14:hiddenFill>
             </a:ext>
-            <a:ext uri="{91240B29-F687-4F45-9708-019B960494DF}">
+            <a:ext uri="{91240B29-F687-4f45-9708-019B960494DF}">
               <a14:hiddenLine xmlns:a14="http://schemas.microsoft.com/office/drawing/2010/main" w="9525">
                 <a:solidFill>
                   <a:srgbClr val="000000"/>
@@ -11149,8 +11149,8 @@
         </p:blipFill>
         <p:spPr bwMode="auto">
           <a:xfrm>
-            <a:off x="25278291" y="20581631"/>
-            <a:ext cx="12143720" cy="5885170"/>
+            <a:off x="26094489" y="20581631"/>
+            <a:ext cx="10511323" cy="5885170"/>
           </a:xfrm>
           <a:prstGeom prst="rect">
             <a:avLst/>
@@ -11160,14 +11160,14 @@
             <a:noFill/>
           </a:ln>
           <a:extLst>
-            <a:ext uri="{909E8E84-426E-40DD-AFC4-6F175D3DCCD1}">
+            <a:ext uri="{909E8E84-426E-40dd-AFC4-6F175D3DCCD1}">
               <a14:hiddenFill xmlns:a14="http://schemas.microsoft.com/office/drawing/2010/main">
                 <a:solidFill>
                   <a:srgbClr val="FFFFFF"/>
                 </a:solidFill>
               </a14:hiddenFill>
             </a:ext>
-            <a:ext uri="{91240B29-F687-4F45-9708-019B960494DF}">
+            <a:ext uri="{91240B29-F687-4f45-9708-019B960494DF}">
               <a14:hiddenLine xmlns:a14="http://schemas.microsoft.com/office/drawing/2010/main" w="9525">
                 <a:solidFill>
                   <a:srgbClr val="000000"/>
@@ -11180,8 +11180,8 @@
           </a:extLst>
         </p:spPr>
       </p:pic>
-      <mc:AlternateContent xmlns:mc="http://schemas.openxmlformats.org/markup-compatibility/2006">
-        <mc:Choice xmlns:a14="http://schemas.microsoft.com/office/drawing/2010/main" Requires="a14">
+      <mc:AlternateContent xmlns:mc="http://schemas.openxmlformats.org/markup-compatibility/2006" xmlns:a14="http://schemas.microsoft.com/office/drawing/2010/main">
+        <mc:Choice Requires="a14">
           <p:sp>
             <p:nvSpPr>
               <p:cNvPr id="2" name="TextBox 1"/>
@@ -11356,7 +11356,7 @@
                   <a:t>Otherwise, calculate the difference between these two objective values </a:t>
                 </a:r>
                 <a14:m>
-                  <m:oMath xmlns:m="http://schemas.openxmlformats.org/officeDocument/2006/math">
+                  <m:oMath xmlns:m="http://schemas.openxmlformats.org/officeDocument/2006/math" xmlns="">
                     <m:r>
                       <a:rPr lang="en-CA" sz="1200" i="1">
                         <a:solidFill>
@@ -11415,7 +11415,7 @@
                   <a:t>Calculating </a:t>
                 </a:r>
                 <a14:m>
-                  <m:oMath xmlns:m="http://schemas.openxmlformats.org/officeDocument/2006/math">
+                  <m:oMath xmlns:m="http://schemas.openxmlformats.org/officeDocument/2006/math" xmlns="">
                     <m:r>
                       <a:rPr lang="en-CA" sz="1200" i="1">
                         <a:solidFill>
@@ -11588,7 +11588,7 @@
             </p:txBody>
           </p:sp>
         </mc:Choice>
-        <mc:Fallback>
+        <mc:Fallback xmlns="">
           <p:sp>
             <p:nvSpPr>
               <p:cNvPr id="2" name="TextBox 1"/>
@@ -11627,8 +11627,8 @@
           </p:sp>
         </mc:Fallback>
       </mc:AlternateContent>
-      <mc:AlternateContent xmlns:mc="http://schemas.openxmlformats.org/markup-compatibility/2006">
-        <mc:Choice xmlns:a14="http://schemas.microsoft.com/office/drawing/2010/main" Requires="a14">
+      <mc:AlternateContent xmlns:mc="http://schemas.openxmlformats.org/markup-compatibility/2006" xmlns:a14="http://schemas.microsoft.com/office/drawing/2010/main">
+        <mc:Choice Requires="a14">
           <p:sp>
             <p:nvSpPr>
               <p:cNvPr id="3" name="TextBox 2"/>
@@ -11692,9 +11692,8 @@
                 </a:r>
               </a:p>
               <a:p>
-                <a:pPr/>
                 <a14:m>
-                  <m:oMathPara xmlns:m="http://schemas.openxmlformats.org/officeDocument/2006/math">
+                  <m:oMathPara xmlns:m="http://schemas.openxmlformats.org/officeDocument/2006/math" xmlns="">
                     <m:oMathParaPr>
                       <m:jc m:val="centerGroup"/>
                     </m:oMathParaPr>
@@ -11813,7 +11812,7 @@
                   <a:t>Set </a:t>
                 </a:r>
                 <a14:m>
-                  <m:oMath xmlns:m="http://schemas.openxmlformats.org/officeDocument/2006/math">
+                  <m:oMath xmlns:m="http://schemas.openxmlformats.org/officeDocument/2006/math" xmlns="">
                     <m:r>
                       <a:rPr lang="en-CA" sz="1200" i="1">
                         <a:solidFill>
@@ -11853,7 +11852,7 @@
             </p:txBody>
           </p:sp>
         </mc:Choice>
-        <mc:Fallback>
+        <mc:Fallback xmlns="">
           <p:sp>
             <p:nvSpPr>
               <p:cNvPr id="3" name="TextBox 2"/>
@@ -11892,8 +11891,8 @@
           </p:sp>
         </mc:Fallback>
       </mc:AlternateContent>
-      <mc:AlternateContent xmlns:mc="http://schemas.openxmlformats.org/markup-compatibility/2006">
-        <mc:Choice xmlns:a14="http://schemas.microsoft.com/office/drawing/2010/main" Requires="a14">
+      <mc:AlternateContent xmlns:mc="http://schemas.openxmlformats.org/markup-compatibility/2006" xmlns:a14="http://schemas.microsoft.com/office/drawing/2010/main">
+        <mc:Choice Requires="a14">
           <p:sp>
             <p:nvSpPr>
               <p:cNvPr id="5" name="TextBox 4"/>
@@ -11927,29 +11926,8 @@
                       <a:schemeClr val="tx1"/>
                     </a:solidFill>
                   </a:rPr>
-                  <a:t>Local </a:t>
+                  <a:t>Local search criteria</a:t>
                 </a:r>
-                <a:r>
-                  <a:rPr lang="en-CA" sz="1200" b="1" dirty="0">
-                    <a:solidFill>
-                      <a:schemeClr val="tx1"/>
-                    </a:solidFill>
-                  </a:rPr>
-                  <a:t>search</a:t>
-                </a:r>
-                <a:r>
-                  <a:rPr lang="en-CA" sz="1200" b="1" dirty="0">
-                    <a:solidFill>
-                      <a:schemeClr val="tx1"/>
-                    </a:solidFill>
-                  </a:rPr>
-                  <a:t> criteria</a:t>
-                </a:r>
-                <a:endParaRPr lang="en-CA" sz="1200" b="1" dirty="0">
-                  <a:solidFill>
-                    <a:schemeClr val="tx1"/>
-                  </a:solidFill>
-                </a:endParaRPr>
               </a:p>
               <a:p>
                 <a:pPr algn="just">
@@ -11963,87 +11941,7 @@
                       <a:schemeClr val="tx1"/>
                     </a:solidFill>
                   </a:rPr>
-                  <a:t>Local search depends on the number of pheromone, and the cost to move the next </a:t>
-                </a:r>
-                <a:r>
-                  <a:rPr lang="en-CA" sz="1200" dirty="0">
-                    <a:solidFill>
-                      <a:schemeClr val="tx1"/>
-                    </a:solidFill>
-                  </a:rPr>
-                  <a:t>level. The </a:t>
-                </a:r>
-                <a:r>
-                  <a:rPr lang="en-CA" sz="1200" dirty="0">
-                    <a:solidFill>
-                      <a:schemeClr val="tx1"/>
-                    </a:solidFill>
-                  </a:rPr>
-                  <a:t>cost is calculate by the extra number of time required for including the next job in certain machine. The cost can be </a:t>
-                </a:r>
-                <a:r>
-                  <a:rPr lang="en-CA" sz="1200" dirty="0">
-                    <a:solidFill>
-                      <a:schemeClr val="tx1"/>
-                    </a:solidFill>
-                  </a:rPr>
-                  <a:t>zero. Experience </a:t>
-                </a:r>
-                <a:r>
-                  <a:rPr lang="en-CA" sz="1200" dirty="0">
-                    <a:solidFill>
-                      <a:schemeClr val="tx1"/>
-                    </a:solidFill>
-                  </a:rPr>
-                  <a:t>VS Explore the new </a:t>
-                </a:r>
-                <a:r>
-                  <a:rPr lang="en-CA" sz="1200" dirty="0">
-                    <a:solidFill>
-                      <a:schemeClr val="tx1"/>
-                    </a:solidFill>
-                  </a:rPr>
-                  <a:t>scheduling is used. A random </a:t>
-                </a:r>
-                <a:r>
-                  <a:rPr lang="en-CA" sz="1200" dirty="0">
-                    <a:solidFill>
-                      <a:schemeClr val="tx1"/>
-                    </a:solidFill>
-                  </a:rPr>
-                  <a:t>value is generate to compare with </a:t>
-                </a:r>
-                <a:r>
-                  <a:rPr lang="en-CA" sz="1200" dirty="0">
-                    <a:solidFill>
-                      <a:schemeClr val="tx1"/>
-                    </a:solidFill>
-                  </a:rPr>
-                  <a:t>r0. </a:t>
-                </a:r>
-                <a:r>
-                  <a:rPr lang="en-CA" sz="1200" dirty="0">
-                    <a:solidFill>
-                      <a:schemeClr val="tx1"/>
-                    </a:solidFill>
-                  </a:rPr>
-                  <a:t>If </a:t>
-                </a:r>
-                <a:r>
-                  <a:rPr lang="en-CA" sz="1200" dirty="0">
-                    <a:solidFill>
-                      <a:schemeClr val="tx1"/>
-                    </a:solidFill>
-                  </a:rPr>
-                  <a:t>the rand value is smaller than r0, the local search will select the route with max amount of </a:t>
-                </a:r>
-                <a:r>
-                  <a:rPr lang="en-CA" sz="1200" dirty="0">
-                    <a:solidFill>
-                      <a:schemeClr val="tx1"/>
-                    </a:solidFill>
-                  </a:rPr>
-                  <a:t>pheromone. </a:t>
+                  <a:t>Local search depends on the number of pheromone, and the cost to move the next level. The cost is calculate by the extra number of time required for including the next job in certain machine. The cost can be zero. Experience VS Explore the new scheduling is used. A random value is generate to compare with r0. If the rand value is smaller than r0, the local search will select the route with max amount of pheromone. </a:t>
                 </a:r>
                 <a:endParaRPr lang="en-CA" sz="1200" dirty="0" smtClean="0">
                   <a:solidFill>
@@ -12097,7 +11995,7 @@
                   <a:t>, it will do a roulette wheel selection based on </a:t>
                 </a:r>
                 <a14:m>
-                  <m:oMath xmlns:m="http://schemas.openxmlformats.org/officeDocument/2006/math">
+                  <m:oMath xmlns:m="http://schemas.openxmlformats.org/officeDocument/2006/math" xmlns="">
                     <m:f>
                       <m:fPr>
                         <m:ctrlPr>
@@ -12248,7 +12146,7 @@
                   <a:t>The number of pheromone deposited equals to </a:t>
                 </a:r>
                 <a14:m>
-                  <m:oMath xmlns:m="http://schemas.openxmlformats.org/officeDocument/2006/math">
+                  <m:oMath xmlns:m="http://schemas.openxmlformats.org/officeDocument/2006/math" xmlns="">
                     <m:r>
                       <a:rPr lang="en-CA" sz="1200" i="1">
                         <a:solidFill>
@@ -12370,7 +12268,7 @@
             </p:txBody>
           </p:sp>
         </mc:Choice>
-        <mc:Fallback>
+        <mc:Fallback xmlns="">
           <p:sp>
             <p:nvSpPr>
               <p:cNvPr id="5" name="TextBox 4"/>
@@ -12959,11 +12857,6 @@
               </a:rPr>
               <a:t>Pheromone will decrease 40% after each round.</a:t>
             </a:r>
-            <a:endParaRPr lang="en-CA" sz="1200" dirty="0">
-              <a:solidFill>
-                <a:schemeClr val="tx1"/>
-              </a:solidFill>
-            </a:endParaRPr>
           </a:p>
         </p:txBody>
       </p:sp>
@@ -13031,7 +12924,15 @@
                   <a:schemeClr val="tx1"/>
                 </a:solidFill>
               </a:rPr>
-              <a:t> Particle Swarm Algorithm to find optimal solution for job scheduling problem. </a:t>
+              <a:t> Particle Swarm Algorithm to find optimal solution for job scheduling problem. Each particle </a:t>
+            </a:r>
+            <a:r>
+              <a:rPr lang="en-CA" sz="1200" dirty="0" smtClean="0">
+                <a:solidFill>
+                  <a:schemeClr val="tx1"/>
+                </a:solidFill>
+              </a:rPr>
+              <a:t>communicates </a:t>
             </a:r>
             <a:r>
               <a:rPr lang="en-CA" sz="1200" dirty="0">
@@ -13039,7 +12940,7 @@
                   <a:schemeClr val="tx1"/>
                 </a:solidFill>
               </a:rPr>
-              <a:t>Each particle </a:t>
+              <a:t>with four </a:t>
             </a:r>
             <a:r>
               <a:rPr lang="en-CA" sz="1200" dirty="0" smtClean="0">
@@ -13047,7 +12948,7 @@
                   <a:schemeClr val="tx1"/>
                 </a:solidFill>
               </a:rPr>
-              <a:t>communicates </a:t>
+              <a:t>adjacent </a:t>
             </a:r>
             <a:r>
               <a:rPr lang="en-CA" sz="1200" dirty="0">
@@ -13055,7 +12956,7 @@
                   <a:schemeClr val="tx1"/>
                 </a:solidFill>
               </a:rPr>
-              <a:t>with four </a:t>
+              <a:t>neighbour. </a:t>
             </a:r>
             <a:r>
               <a:rPr lang="en-CA" sz="1200" dirty="0" smtClean="0">
@@ -13063,7 +12964,7 @@
                   <a:schemeClr val="tx1"/>
                 </a:solidFill>
               </a:rPr>
-              <a:t>adjacent </a:t>
+              <a:t> Each </a:t>
             </a:r>
             <a:r>
               <a:rPr lang="en-CA" sz="1200" dirty="0">
@@ -13071,31 +12972,7 @@
                   <a:schemeClr val="tx1"/>
                 </a:solidFill>
               </a:rPr>
-              <a:t>neighbour. </a:t>
-            </a:r>
-            <a:r>
-              <a:rPr lang="en-CA" sz="1200" dirty="0" smtClean="0">
-                <a:solidFill>
-                  <a:schemeClr val="tx1"/>
-                </a:solidFill>
-              </a:rPr>
-              <a:t> Each </a:t>
-            </a:r>
-            <a:r>
-              <a:rPr lang="en-CA" sz="1200" dirty="0">
-                <a:solidFill>
-                  <a:schemeClr val="tx1"/>
-                </a:solidFill>
-              </a:rPr>
-              <a:t>particle </a:t>
-            </a:r>
-            <a:r>
-              <a:rPr lang="en-CA" sz="1200" dirty="0">
-                <a:solidFill>
-                  <a:schemeClr val="tx1"/>
-                </a:solidFill>
-              </a:rPr>
-              <a:t>calculates its speed based on the best solution in its neighbour and its personal best. </a:t>
+              <a:t>particle calculates its speed based on the best solution in its neighbour and its personal best. </a:t>
             </a:r>
           </a:p>
           <a:p>
@@ -13125,23 +13002,7 @@
                   <a:schemeClr val="tx1"/>
                 </a:solidFill>
               </a:rPr>
-              <a:t>- All </a:t>
-            </a:r>
-            <a:r>
-              <a:rPr lang="en-CA" sz="1200" dirty="0">
-                <a:solidFill>
-                  <a:schemeClr val="tx1"/>
-                </a:solidFill>
-              </a:rPr>
-              <a:t>particles </a:t>
-            </a:r>
-            <a:r>
-              <a:rPr lang="en-CA" sz="1200" dirty="0">
-                <a:solidFill>
-                  <a:schemeClr val="tx1"/>
-                </a:solidFill>
-              </a:rPr>
-              <a:t>starts with 0 speed at all n directions.</a:t>
+              <a:t>- All particles starts with 0 speed at all n directions.</a:t>
             </a:r>
           </a:p>
           <a:p>
@@ -13164,7 +13025,15 @@
                   <a:schemeClr val="tx1"/>
                 </a:solidFill>
               </a:rPr>
-              <a:t>particles </a:t>
+              <a:t>particles starts at location randomly assigned between </a:t>
+            </a:r>
+            <a:r>
+              <a:rPr lang="en-CA" sz="1200" dirty="0" smtClean="0">
+                <a:solidFill>
+                  <a:schemeClr val="tx1"/>
+                </a:solidFill>
+              </a:rPr>
+              <a:t>1~m </a:t>
             </a:r>
             <a:r>
               <a:rPr lang="en-CA" sz="1200" dirty="0">
@@ -13172,7 +13041,7 @@
                   <a:schemeClr val="tx1"/>
                 </a:solidFill>
               </a:rPr>
-              <a:t>starts at location randomly assigned between </a:t>
+              <a:t>in all </a:t>
             </a:r>
             <a:r>
               <a:rPr lang="en-CA" sz="1200" dirty="0" smtClean="0">
@@ -13180,7 +13049,7 @@
                   <a:schemeClr val="tx1"/>
                 </a:solidFill>
               </a:rPr>
-              <a:t>1~m </a:t>
+              <a:t>dimensions</a:t>
             </a:r>
             <a:r>
               <a:rPr lang="en-CA" sz="1200" dirty="0">
@@ -13188,7 +13057,7 @@
                   <a:schemeClr val="tx1"/>
                 </a:solidFill>
               </a:rPr>
-              <a:t>in all </a:t>
+              <a:t>,</a:t>
             </a:r>
             <a:r>
               <a:rPr lang="en-CA" sz="1200" dirty="0" smtClean="0">
@@ -13196,7 +13065,7 @@
                   <a:schemeClr val="tx1"/>
                 </a:solidFill>
               </a:rPr>
-              <a:t>dimensions</a:t>
+              <a:t> </a:t>
             </a:r>
             <a:r>
               <a:rPr lang="en-CA" sz="1200" dirty="0">
@@ -13204,31 +13073,7 @@
                   <a:schemeClr val="tx1"/>
                 </a:solidFill>
               </a:rPr>
-              <a:t>,</a:t>
-            </a:r>
-            <a:r>
-              <a:rPr lang="en-CA" sz="1200" dirty="0" smtClean="0">
-                <a:solidFill>
-                  <a:schemeClr val="tx1"/>
-                </a:solidFill>
-              </a:rPr>
-              <a:t> </a:t>
-            </a:r>
-            <a:r>
-              <a:rPr lang="en-CA" sz="1200" dirty="0">
-                <a:solidFill>
-                  <a:schemeClr val="tx1"/>
-                </a:solidFill>
-              </a:rPr>
-              <a:t>Local best solution is the same as </a:t>
-            </a:r>
-            <a:r>
-              <a:rPr lang="en-CA" sz="1200" dirty="0">
-                <a:solidFill>
-                  <a:schemeClr val="tx1"/>
-                </a:solidFill>
-              </a:rPr>
-              <a:t>particle's </a:t>
+              <a:t>Local best solution is the same as particle's </a:t>
             </a:r>
             <a:r>
               <a:rPr lang="en-CA" sz="1200" dirty="0" smtClean="0">
@@ -14013,11 +13858,11 @@
   <p:clrMapOvr>
     <a:masterClrMapping/>
   </p:clrMapOvr>
-  <p:transition spd="med"/>
+  <p:transition xmlns:p14="http://schemas.microsoft.com/office/powerpoint/2010/main" spd="med"/>
   <p:timing>
     <p:tnLst>
       <p:par>
-        <p:cTn id="1" dur="indefinite" restart="never" nodeType="tmRoot">
+        <p:cTn xmlns:p14="http://schemas.microsoft.com/office/powerpoint/2010/main" id="1" dur="indefinite" restart="never" nodeType="tmRoot">
           <p:childTnLst>
             <p:seq concurrent="1" nextAc="seek">
               <p:cTn id="2" dur="0" nodeType="mainSeq"/>

--- a/Poster.pptx
+++ b/Poster.pptx
@@ -4687,7 +4687,7 @@
                   <a:t>. There are </a:t>
                 </a:r>
                 <a14:m>
-                  <m:oMath xmlns:m="http://schemas.openxmlformats.org/officeDocument/2006/math" xmlns="">
+                  <m:oMath xmlns="" xmlns:m="http://schemas.openxmlformats.org/officeDocument/2006/math">
                     <m:sSup>
                       <m:sSupPr>
                         <m:ctrlPr>
@@ -10116,7 +10116,7 @@
                   </a:spcAft>
                 </a:pPr>
                 <a14:m>
-                  <m:oMathPara xmlns:m="http://schemas.openxmlformats.org/officeDocument/2006/math" xmlns="">
+                  <m:oMathPara xmlns="" xmlns:m="http://schemas.openxmlformats.org/officeDocument/2006/math">
                     <m:oMathParaPr>
                       <m:jc m:val="centerGroup"/>
                     </m:oMathParaPr>
@@ -10283,7 +10283,7 @@
                   </a:spcAft>
                 </a:pPr>
                 <a14:m>
-                  <m:oMathPara xmlns:m="http://schemas.openxmlformats.org/officeDocument/2006/math" xmlns="">
+                  <m:oMathPara xmlns="" xmlns:m="http://schemas.openxmlformats.org/officeDocument/2006/math">
                     <m:oMathParaPr>
                       <m:jc m:val="centerGroup"/>
                     </m:oMathParaPr>
@@ -10508,7 +10508,7 @@
                   </a:spcAft>
                 </a:pPr>
                 <a14:m>
-                  <m:oMathPara xmlns:m="http://schemas.openxmlformats.org/officeDocument/2006/math" xmlns="">
+                  <m:oMathPara xmlns="" xmlns:m="http://schemas.openxmlformats.org/officeDocument/2006/math">
                     <m:oMathParaPr>
                       <m:jc m:val="centerGroup"/>
                     </m:oMathParaPr>
@@ -10733,7 +10733,7 @@
                   <a:t>Where </a:t>
                 </a:r>
                 <a14:m>
-                  <m:oMath xmlns:m="http://schemas.openxmlformats.org/officeDocument/2006/math" xmlns="">
+                  <m:oMath xmlns="" xmlns:m="http://schemas.openxmlformats.org/officeDocument/2006/math">
                     <m:r>
                       <a:rPr lang="en-CA" i="1">
                         <a:solidFill>
@@ -11149,8 +11149,8 @@
         </p:blipFill>
         <p:spPr bwMode="auto">
           <a:xfrm>
-            <a:off x="26094489" y="20581631"/>
-            <a:ext cx="10511323" cy="5885170"/>
+            <a:off x="25252659" y="20581631"/>
+            <a:ext cx="12241360" cy="6223156"/>
           </a:xfrm>
           <a:prstGeom prst="rect">
             <a:avLst/>
@@ -11356,7 +11356,7 @@
                   <a:t>Otherwise, calculate the difference between these two objective values </a:t>
                 </a:r>
                 <a14:m>
-                  <m:oMath xmlns:m="http://schemas.openxmlformats.org/officeDocument/2006/math" xmlns="">
+                  <m:oMath xmlns="" xmlns:m="http://schemas.openxmlformats.org/officeDocument/2006/math">
                     <m:r>
                       <a:rPr lang="en-CA" sz="1200" i="1">
                         <a:solidFill>
@@ -11415,7 +11415,7 @@
                   <a:t>Calculating </a:t>
                 </a:r>
                 <a14:m>
-                  <m:oMath xmlns:m="http://schemas.openxmlformats.org/officeDocument/2006/math" xmlns="">
+                  <m:oMath xmlns="" xmlns:m="http://schemas.openxmlformats.org/officeDocument/2006/math">
                     <m:r>
                       <a:rPr lang="en-CA" sz="1200" i="1">
                         <a:solidFill>
@@ -11693,7 +11693,7 @@
               </a:p>
               <a:p>
                 <a14:m>
-                  <m:oMathPara xmlns:m="http://schemas.openxmlformats.org/officeDocument/2006/math" xmlns="">
+                  <m:oMathPara xmlns="" xmlns:m="http://schemas.openxmlformats.org/officeDocument/2006/math">
                     <m:oMathParaPr>
                       <m:jc m:val="centerGroup"/>
                     </m:oMathParaPr>
@@ -11812,7 +11812,7 @@
                   <a:t>Set </a:t>
                 </a:r>
                 <a14:m>
-                  <m:oMath xmlns:m="http://schemas.openxmlformats.org/officeDocument/2006/math" xmlns="">
+                  <m:oMath xmlns="" xmlns:m="http://schemas.openxmlformats.org/officeDocument/2006/math">
                     <m:r>
                       <a:rPr lang="en-CA" sz="1200" i="1">
                         <a:solidFill>
@@ -11995,7 +11995,7 @@
                   <a:t>, it will do a roulette wheel selection based on </a:t>
                 </a:r>
                 <a14:m>
-                  <m:oMath xmlns:m="http://schemas.openxmlformats.org/officeDocument/2006/math" xmlns="">
+                  <m:oMath xmlns="" xmlns:m="http://schemas.openxmlformats.org/officeDocument/2006/math">
                     <m:f>
                       <m:fPr>
                         <m:ctrlPr>
@@ -12146,7 +12146,7 @@
                   <a:t>The number of pheromone deposited equals to </a:t>
                 </a:r>
                 <a14:m>
-                  <m:oMath xmlns:m="http://schemas.openxmlformats.org/officeDocument/2006/math" xmlns="">
+                  <m:oMath xmlns="" xmlns:m="http://schemas.openxmlformats.org/officeDocument/2006/math">
                     <m:r>
                       <a:rPr lang="en-CA" sz="1200" i="1">
                         <a:solidFill>

--- a/Poster.pptx
+++ b/Poster.pptx
@@ -177,6 +177,36 @@
       </a:defRPr>
     </a:lvl9pPr>
   </p:defaultTextStyle>
+  <p:extLst>
+    <p:ext uri="{EFAFB233-063F-42B5-8137-9DF3F51BA10A}">
+      <p15:sldGuideLst xmlns:p15="http://schemas.microsoft.com/office/powerpoint/2012/main">
+        <p15:guide id="1" orient="horz" pos="2160">
+          <p15:clr>
+            <a:srgbClr val="A4A3A4"/>
+          </p15:clr>
+        </p15:guide>
+        <p15:guide id="2" pos="2880">
+          <p15:clr>
+            <a:srgbClr val="A4A3A4"/>
+          </p15:clr>
+        </p15:guide>
+      </p15:sldGuideLst>
+    </p:ext>
+    <p:ext uri="{2D200454-40CA-4A62-9FC3-DE9A4176ACB9}">
+      <p15:notesGuideLst xmlns:p15="http://schemas.microsoft.com/office/powerpoint/2012/main">
+        <p15:guide id="1" orient="horz" pos="2880">
+          <p15:clr>
+            <a:srgbClr val="A4A3A4"/>
+          </p15:clr>
+        </p15:guide>
+        <p15:guide id="2" pos="2160">
+          <p15:clr>
+            <a:srgbClr val="A4A3A4"/>
+          </p15:clr>
+        </p15:guide>
+      </p15:notesGuideLst>
+    </p:ext>
+  </p:extLst>
 </p:presentation>
 </file>
 
@@ -229,14 +259,14 @@
           </a:ln>
           <a:extLst>
             <a:ext uri="{909E8E84-426E-40dd-AFC4-6F175D3DCCD1}">
-              <a14:hiddenFill xmlns:a14="http://schemas.microsoft.com/office/drawing/2010/main">
+              <a14:hiddenFill xmlns:a14="http://schemas.microsoft.com/office/drawing/2010/main" xmlns="">
                 <a:solidFill>
                   <a:srgbClr val="FFFFFF"/>
                 </a:solidFill>
               </a14:hiddenFill>
             </a:ext>
             <a:ext uri="{91240B29-F687-4f45-9708-019B960494DF}">
-              <a14:hiddenLine xmlns:a14="http://schemas.microsoft.com/office/drawing/2010/main" w="9525">
+              <a14:hiddenLine xmlns:a14="http://schemas.microsoft.com/office/drawing/2010/main" xmlns="" w="9525">
                 <a:solidFill>
                   <a:srgbClr val="000000"/>
                 </a:solidFill>
@@ -518,14 +548,14 @@
           <a:ln/>
           <a:extLst>
             <a:ext uri="{909E8E84-426E-40dd-AFC4-6F175D3DCCD1}">
-              <a14:hiddenFill xmlns:a14="http://schemas.microsoft.com/office/drawing/2010/main">
+              <a14:hiddenFill xmlns:a14="http://schemas.microsoft.com/office/drawing/2010/main" xmlns="">
                 <a:solidFill>
                   <a:srgbClr val="FFFFFF"/>
                 </a:solidFill>
               </a14:hiddenFill>
             </a:ext>
             <a:ext uri="{91240B29-F687-4f45-9708-019B960494DF}">
-              <a14:hiddenLine xmlns:a14="http://schemas.microsoft.com/office/drawing/2010/main" w="9525">
+              <a14:hiddenLine xmlns:a14="http://schemas.microsoft.com/office/drawing/2010/main" xmlns="" w="9525">
                 <a:solidFill>
                   <a:srgbClr val="000000"/>
                 </a:solidFill>
@@ -545,6 +575,11 @@
         </p:txBody>
       </p:sp>
     </p:spTree>
+    <p:extLst>
+      <p:ext uri="{BB962C8B-B14F-4D97-AF65-F5344CB8AC3E}">
+        <p14:creationId xmlns:p14="http://schemas.microsoft.com/office/powerpoint/2010/main" val="3604100233"/>
+      </p:ext>
+    </p:extLst>
   </p:cSld>
   <p:clrMapOvr>
     <a:masterClrMapping/>
@@ -2248,14 +2283,14 @@
           </a:ln>
           <a:extLst>
             <a:ext uri="{909E8E84-426E-40dd-AFC4-6F175D3DCCD1}">
-              <a14:hiddenFill xmlns:a14="http://schemas.microsoft.com/office/drawing/2010/main">
+              <a14:hiddenFill xmlns:a14="http://schemas.microsoft.com/office/drawing/2010/main" xmlns="">
                 <a:solidFill>
                   <a:srgbClr val="FFFFFF"/>
                 </a:solidFill>
               </a14:hiddenFill>
             </a:ext>
             <a:ext uri="{91240B29-F687-4f45-9708-019B960494DF}">
-              <a14:hiddenLine xmlns:a14="http://schemas.microsoft.com/office/drawing/2010/main" w="9525">
+              <a14:hiddenLine xmlns:a14="http://schemas.microsoft.com/office/drawing/2010/main" xmlns="" w="9525">
                 <a:solidFill>
                   <a:srgbClr val="000000"/>
                 </a:solidFill>
@@ -2306,14 +2341,14 @@
           </a:ln>
           <a:extLst>
             <a:ext uri="{909E8E84-426E-40dd-AFC4-6F175D3DCCD1}">
-              <a14:hiddenFill xmlns:a14="http://schemas.microsoft.com/office/drawing/2010/main">
+              <a14:hiddenFill xmlns:a14="http://schemas.microsoft.com/office/drawing/2010/main" xmlns="">
                 <a:solidFill>
                   <a:srgbClr val="FFFFFF"/>
                 </a:solidFill>
               </a14:hiddenFill>
             </a:ext>
             <a:ext uri="{91240B29-F687-4f45-9708-019B960494DF}">
-              <a14:hiddenLine xmlns:a14="http://schemas.microsoft.com/office/drawing/2010/main" w="9525">
+              <a14:hiddenLine xmlns:a14="http://schemas.microsoft.com/office/drawing/2010/main" xmlns="" w="9525">
                 <a:solidFill>
                   <a:srgbClr val="000000"/>
                 </a:solidFill>
@@ -2986,7 +3021,7 @@
           </a:ln>
           <a:extLst>
             <a:ext uri="{91240B29-F687-4f45-9708-019B960494DF}">
-              <a14:hiddenLine xmlns:a14="http://schemas.microsoft.com/office/drawing/2010/main" w="9525">
+              <a14:hiddenLine xmlns:a14="http://schemas.microsoft.com/office/drawing/2010/main" xmlns="" w="9525">
                 <a:solidFill>
                   <a:srgbClr val="000000"/>
                 </a:solidFill>
@@ -3033,7 +3068,7 @@
           </a:ln>
           <a:extLst>
             <a:ext uri="{91240B29-F687-4f45-9708-019B960494DF}">
-              <a14:hiddenLine xmlns:a14="http://schemas.microsoft.com/office/drawing/2010/main" w="72000">
+              <a14:hiddenLine xmlns:a14="http://schemas.microsoft.com/office/drawing/2010/main" xmlns="" w="72000">
                 <a:solidFill>
                   <a:srgbClr val="000000"/>
                 </a:solidFill>
@@ -3083,7 +3118,7 @@
           </a:ln>
           <a:extLst>
             <a:ext uri="{91240B29-F687-4f45-9708-019B960494DF}">
-              <a14:hiddenLine xmlns:a14="http://schemas.microsoft.com/office/drawing/2010/main" w="9525">
+              <a14:hiddenLine xmlns:a14="http://schemas.microsoft.com/office/drawing/2010/main" xmlns="" w="9525">
                 <a:solidFill>
                   <a:srgbClr val="000000"/>
                 </a:solidFill>
@@ -3128,7 +3163,7 @@
           </a:ln>
           <a:extLst>
             <a:ext uri="{91240B29-F687-4f45-9708-019B960494DF}">
-              <a14:hiddenLine xmlns:a14="http://schemas.microsoft.com/office/drawing/2010/main" w="9525">
+              <a14:hiddenLine xmlns:a14="http://schemas.microsoft.com/office/drawing/2010/main" xmlns="" w="9525">
                 <a:solidFill>
                   <a:srgbClr val="000000"/>
                 </a:solidFill>
@@ -3171,14 +3206,14 @@
           </a:ln>
           <a:extLst>
             <a:ext uri="{909E8E84-426E-40dd-AFC4-6F175D3DCCD1}">
-              <a14:hiddenFill xmlns:a14="http://schemas.microsoft.com/office/drawing/2010/main">
+              <a14:hiddenFill xmlns:a14="http://schemas.microsoft.com/office/drawing/2010/main" xmlns="">
                 <a:solidFill>
                   <a:srgbClr val="FFFFFF"/>
                 </a:solidFill>
               </a14:hiddenFill>
             </a:ext>
             <a:ext uri="{91240B29-F687-4f45-9708-019B960494DF}">
-              <a14:hiddenLine xmlns:a14="http://schemas.microsoft.com/office/drawing/2010/main" w="9525">
+              <a14:hiddenLine xmlns:a14="http://schemas.microsoft.com/office/drawing/2010/main" xmlns="" w="9525">
                 <a:solidFill>
                   <a:srgbClr val="000000"/>
                 </a:solidFill>
@@ -3739,14 +3774,14 @@
           </a:ln>
           <a:extLst>
             <a:ext uri="{909E8E84-426E-40dd-AFC4-6F175D3DCCD1}">
-              <a14:hiddenFill xmlns:a14="http://schemas.microsoft.com/office/drawing/2010/main">
+              <a14:hiddenFill xmlns:a14="http://schemas.microsoft.com/office/drawing/2010/main" xmlns="">
                 <a:solidFill>
                   <a:srgbClr val="FFFFFF"/>
                 </a:solidFill>
               </a14:hiddenFill>
             </a:ext>
             <a:ext uri="{91240B29-F687-4f45-9708-019B960494DF}">
-              <a14:hiddenLine xmlns:a14="http://schemas.microsoft.com/office/drawing/2010/main" w="9525">
+              <a14:hiddenLine xmlns:a14="http://schemas.microsoft.com/office/drawing/2010/main" xmlns="" w="9525">
                 <a:solidFill>
                   <a:srgbClr val="000000"/>
                 </a:solidFill>
@@ -4330,14 +4365,14 @@
               </a:ln>
               <a:extLst>
                 <a:ext uri="{909E8E84-426E-40dd-AFC4-6F175D3DCCD1}">
-                  <a14:hiddenFill>
+                  <a14:hiddenFill xmlns="">
                     <a:solidFill>
                       <a:srgbClr val="FFFFFF"/>
                     </a:solidFill>
                   </a14:hiddenFill>
                 </a:ext>
                 <a:ext uri="{91240B29-F687-4f45-9708-019B960494DF}">
-                  <a14:hiddenLine w="9525">
+                  <a14:hiddenLine xmlns="" w="9525">
                     <a:solidFill>
                       <a:srgbClr val="000000"/>
                     </a:solidFill>
@@ -4687,7 +4722,7 @@
                   <a:t>. There are </a:t>
                 </a:r>
                 <a14:m>
-                  <m:oMath xmlns="" xmlns:m="http://schemas.openxmlformats.org/officeDocument/2006/math">
+                  <m:oMath xmlns:m="http://schemas.openxmlformats.org/officeDocument/2006/math">
                     <m:sSup>
                       <m:sSupPr>
                         <m:ctrlPr>
@@ -4696,7 +4731,7 @@
                               <a:schemeClr val="tx1"/>
                             </a:solidFill>
                             <a:effectLst/>
-                            <a:latin typeface="Cambria Math"/>
+                            <a:latin typeface="Cambria Math" panose="02040503050406030204" pitchFamily="18" charset="0"/>
                             <a:ea typeface="SimSun"/>
                             <a:cs typeface="Times New Roman"/>
                           </a:rPr>
@@ -4836,7 +4871,7 @@
           </a:ln>
           <a:extLst>
             <a:ext uri="{91240B29-F687-4f45-9708-019B960494DF}">
-              <a14:hiddenLine xmlns:a14="http://schemas.microsoft.com/office/drawing/2010/main" w="9525">
+              <a14:hiddenLine xmlns:a14="http://schemas.microsoft.com/office/drawing/2010/main" xmlns="" w="9525">
                 <a:solidFill>
                   <a:srgbClr val="000000"/>
                 </a:solidFill>
@@ -4883,7 +4918,7 @@
           </a:ln>
           <a:extLst>
             <a:ext uri="{91240B29-F687-4f45-9708-019B960494DF}">
-              <a14:hiddenLine xmlns:a14="http://schemas.microsoft.com/office/drawing/2010/main" w="9525">
+              <a14:hiddenLine xmlns:a14="http://schemas.microsoft.com/office/drawing/2010/main" xmlns="" w="9525">
                 <a:solidFill>
                   <a:srgbClr val="000000"/>
                 </a:solidFill>
@@ -4924,14 +4959,14 @@
           </a:ln>
           <a:extLst>
             <a:ext uri="{909E8E84-426E-40dd-AFC4-6F175D3DCCD1}">
-              <a14:hiddenFill xmlns:a14="http://schemas.microsoft.com/office/drawing/2010/main">
+              <a14:hiddenFill xmlns:a14="http://schemas.microsoft.com/office/drawing/2010/main" xmlns="">
                 <a:solidFill>
                   <a:srgbClr val="FFFFFF"/>
                 </a:solidFill>
               </a14:hiddenFill>
             </a:ext>
             <a:ext uri="{91240B29-F687-4f45-9708-019B960494DF}">
-              <a14:hiddenLine xmlns:a14="http://schemas.microsoft.com/office/drawing/2010/main" w="9525">
+              <a14:hiddenLine xmlns:a14="http://schemas.microsoft.com/office/drawing/2010/main" xmlns="" w="9525">
                 <a:solidFill>
                   <a:srgbClr val="000000"/>
                 </a:solidFill>
@@ -5127,14 +5162,14 @@
           </a:ln>
           <a:extLst>
             <a:ext uri="{909E8E84-426E-40dd-AFC4-6F175D3DCCD1}">
-              <a14:hiddenFill xmlns:a14="http://schemas.microsoft.com/office/drawing/2010/main">
+              <a14:hiddenFill xmlns:a14="http://schemas.microsoft.com/office/drawing/2010/main" xmlns="">
                 <a:solidFill>
                   <a:srgbClr val="FFFFFF"/>
                 </a:solidFill>
               </a14:hiddenFill>
             </a:ext>
             <a:ext uri="{91240B29-F687-4f45-9708-019B960494DF}">
-              <a14:hiddenLine xmlns:a14="http://schemas.microsoft.com/office/drawing/2010/main" w="9525">
+              <a14:hiddenLine xmlns:a14="http://schemas.microsoft.com/office/drawing/2010/main" xmlns="" w="9525">
                 <a:solidFill>
                   <a:srgbClr val="000000"/>
                 </a:solidFill>
@@ -5330,14 +5365,14 @@
           </a:ln>
           <a:extLst>
             <a:ext uri="{909E8E84-426E-40dd-AFC4-6F175D3DCCD1}">
-              <a14:hiddenFill xmlns:a14="http://schemas.microsoft.com/office/drawing/2010/main">
+              <a14:hiddenFill xmlns:a14="http://schemas.microsoft.com/office/drawing/2010/main" xmlns="">
                 <a:solidFill>
                   <a:srgbClr val="FFFFFF"/>
                 </a:solidFill>
               </a14:hiddenFill>
             </a:ext>
             <a:ext uri="{91240B29-F687-4f45-9708-019B960494DF}">
-              <a14:hiddenLine xmlns:a14="http://schemas.microsoft.com/office/drawing/2010/main" w="9525">
+              <a14:hiddenLine xmlns:a14="http://schemas.microsoft.com/office/drawing/2010/main" xmlns="" w="9525">
                 <a:solidFill>
                   <a:srgbClr val="000000"/>
                 </a:solidFill>
@@ -5578,14 +5613,14 @@
           </a:ln>
           <a:extLst>
             <a:ext uri="{909E8E84-426E-40dd-AFC4-6F175D3DCCD1}">
-              <a14:hiddenFill xmlns:a14="http://schemas.microsoft.com/office/drawing/2010/main">
+              <a14:hiddenFill xmlns:a14="http://schemas.microsoft.com/office/drawing/2010/main" xmlns="">
                 <a:solidFill>
                   <a:srgbClr val="FFFFFF"/>
                 </a:solidFill>
               </a14:hiddenFill>
             </a:ext>
             <a:ext uri="{91240B29-F687-4f45-9708-019B960494DF}">
-              <a14:hiddenLine xmlns:a14="http://schemas.microsoft.com/office/drawing/2010/main" w="9525">
+              <a14:hiddenLine xmlns:a14="http://schemas.microsoft.com/office/drawing/2010/main" xmlns="" w="9525">
                 <a:solidFill>
                   <a:srgbClr val="000000"/>
                 </a:solidFill>
@@ -5916,7 +5951,7 @@
           </a:ln>
           <a:extLst>
             <a:ext uri="{91240B29-F687-4f45-9708-019B960494DF}">
-              <a14:hiddenLine xmlns:a14="http://schemas.microsoft.com/office/drawing/2010/main" w="72000">
+              <a14:hiddenLine xmlns:a14="http://schemas.microsoft.com/office/drawing/2010/main" xmlns="" w="72000">
                 <a:solidFill>
                   <a:srgbClr val="000000"/>
                 </a:solidFill>
@@ -5960,14 +5995,14 @@
           </a:ln>
           <a:extLst>
             <a:ext uri="{909E8E84-426E-40dd-AFC4-6F175D3DCCD1}">
-              <a14:hiddenFill xmlns:a14="http://schemas.microsoft.com/office/drawing/2010/main">
+              <a14:hiddenFill xmlns:a14="http://schemas.microsoft.com/office/drawing/2010/main" xmlns="">
                 <a:solidFill>
                   <a:srgbClr val="FFFFFF"/>
                 </a:solidFill>
               </a14:hiddenFill>
             </a:ext>
             <a:ext uri="{91240B29-F687-4f45-9708-019B960494DF}">
-              <a14:hiddenLine xmlns:a14="http://schemas.microsoft.com/office/drawing/2010/main" w="9525">
+              <a14:hiddenLine xmlns:a14="http://schemas.microsoft.com/office/drawing/2010/main" xmlns="" w="9525">
                 <a:solidFill>
                   <a:srgbClr val="000000"/>
                 </a:solidFill>
@@ -6178,7 +6213,7 @@
           </a:ln>
           <a:extLst>
             <a:ext uri="{91240B29-F687-4f45-9708-019B960494DF}">
-              <a14:hiddenLine xmlns:a14="http://schemas.microsoft.com/office/drawing/2010/main" w="72000">
+              <a14:hiddenLine xmlns:a14="http://schemas.microsoft.com/office/drawing/2010/main" xmlns="" w="72000">
                 <a:solidFill>
                   <a:srgbClr val="000000"/>
                 </a:solidFill>
@@ -6262,14 +6297,14 @@
           </a:ln>
           <a:extLst>
             <a:ext uri="{909E8E84-426E-40dd-AFC4-6F175D3DCCD1}">
-              <a14:hiddenFill xmlns:a14="http://schemas.microsoft.com/office/drawing/2010/main">
+              <a14:hiddenFill xmlns:a14="http://schemas.microsoft.com/office/drawing/2010/main" xmlns="">
                 <a:solidFill>
                   <a:srgbClr val="FFFFFF"/>
                 </a:solidFill>
               </a14:hiddenFill>
             </a:ext>
             <a:ext uri="{91240B29-F687-4f45-9708-019B960494DF}">
-              <a14:hiddenLine xmlns:a14="http://schemas.microsoft.com/office/drawing/2010/main" w="9525">
+              <a14:hiddenLine xmlns:a14="http://schemas.microsoft.com/office/drawing/2010/main" xmlns="" w="9525">
                 <a:solidFill>
                   <a:srgbClr val="000000"/>
                 </a:solidFill>
@@ -6585,14 +6620,14 @@
           </a:ln>
           <a:extLst>
             <a:ext uri="{909E8E84-426E-40dd-AFC4-6F175D3DCCD1}">
-              <a14:hiddenFill xmlns:a14="http://schemas.microsoft.com/office/drawing/2010/main">
+              <a14:hiddenFill xmlns:a14="http://schemas.microsoft.com/office/drawing/2010/main" xmlns="">
                 <a:solidFill>
                   <a:srgbClr val="FFFFFF"/>
                 </a:solidFill>
               </a14:hiddenFill>
             </a:ext>
             <a:ext uri="{91240B29-F687-4f45-9708-019B960494DF}">
-              <a14:hiddenLine xmlns:a14="http://schemas.microsoft.com/office/drawing/2010/main" w="9525">
+              <a14:hiddenLine xmlns:a14="http://schemas.microsoft.com/office/drawing/2010/main" xmlns="" w="9525">
                 <a:solidFill>
                   <a:srgbClr val="000000"/>
                 </a:solidFill>
@@ -6823,14 +6858,14 @@
           </a:ln>
           <a:extLst>
             <a:ext uri="{909E8E84-426E-40dd-AFC4-6F175D3DCCD1}">
-              <a14:hiddenFill xmlns:a14="http://schemas.microsoft.com/office/drawing/2010/main">
+              <a14:hiddenFill xmlns:a14="http://schemas.microsoft.com/office/drawing/2010/main" xmlns="">
                 <a:solidFill>
                   <a:srgbClr val="FFFFFF"/>
                 </a:solidFill>
               </a14:hiddenFill>
             </a:ext>
             <a:ext uri="{91240B29-F687-4f45-9708-019B960494DF}">
-              <a14:hiddenLine xmlns:a14="http://schemas.microsoft.com/office/drawing/2010/main" w="9525">
+              <a14:hiddenLine xmlns:a14="http://schemas.microsoft.com/office/drawing/2010/main" xmlns="" w="9525">
                 <a:solidFill>
                   <a:srgbClr val="000000"/>
                 </a:solidFill>
@@ -7033,14 +7068,14 @@
           </a:ln>
           <a:extLst>
             <a:ext uri="{909E8E84-426E-40dd-AFC4-6F175D3DCCD1}">
-              <a14:hiddenFill xmlns:a14="http://schemas.microsoft.com/office/drawing/2010/main">
+              <a14:hiddenFill xmlns:a14="http://schemas.microsoft.com/office/drawing/2010/main" xmlns="">
                 <a:solidFill>
                   <a:srgbClr val="FFFFFF"/>
                 </a:solidFill>
               </a14:hiddenFill>
             </a:ext>
             <a:ext uri="{91240B29-F687-4f45-9708-019B960494DF}">
-              <a14:hiddenLine xmlns:a14="http://schemas.microsoft.com/office/drawing/2010/main" w="9525">
+              <a14:hiddenLine xmlns:a14="http://schemas.microsoft.com/office/drawing/2010/main" xmlns="" w="9525">
                 <a:solidFill>
                   <a:srgbClr val="000000"/>
                 </a:solidFill>
@@ -7074,14 +7109,14 @@
           </a:ln>
           <a:extLst>
             <a:ext uri="{909E8E84-426E-40dd-AFC4-6F175D3DCCD1}">
-              <a14:hiddenFill xmlns:a14="http://schemas.microsoft.com/office/drawing/2010/main">
+              <a14:hiddenFill xmlns:a14="http://schemas.microsoft.com/office/drawing/2010/main" xmlns="">
                 <a:solidFill>
                   <a:srgbClr val="FFFFFF"/>
                 </a:solidFill>
               </a14:hiddenFill>
             </a:ext>
             <a:ext uri="{91240B29-F687-4f45-9708-019B960494DF}">
-              <a14:hiddenLine xmlns:a14="http://schemas.microsoft.com/office/drawing/2010/main" w="9525">
+              <a14:hiddenLine xmlns:a14="http://schemas.microsoft.com/office/drawing/2010/main" xmlns="" w="9525">
                 <a:solidFill>
                   <a:srgbClr val="000000"/>
                 </a:solidFill>
@@ -7441,7 +7476,7 @@
           </a:ln>
           <a:extLst>
             <a:ext uri="{91240B29-F687-4f45-9708-019B960494DF}">
-              <a14:hiddenLine xmlns:a14="http://schemas.microsoft.com/office/drawing/2010/main" w="9525">
+              <a14:hiddenLine xmlns:a14="http://schemas.microsoft.com/office/drawing/2010/main" xmlns="" w="9525">
                 <a:solidFill>
                   <a:srgbClr val="000000"/>
                 </a:solidFill>
@@ -7484,14 +7519,14 @@
           </a:ln>
           <a:extLst>
             <a:ext uri="{909E8E84-426E-40dd-AFC4-6F175D3DCCD1}">
-              <a14:hiddenFill xmlns:a14="http://schemas.microsoft.com/office/drawing/2010/main">
+              <a14:hiddenFill xmlns:a14="http://schemas.microsoft.com/office/drawing/2010/main" xmlns="">
                 <a:solidFill>
                   <a:srgbClr val="FFFFFF"/>
                 </a:solidFill>
               </a14:hiddenFill>
             </a:ext>
             <a:ext uri="{91240B29-F687-4f45-9708-019B960494DF}">
-              <a14:hiddenLine xmlns:a14="http://schemas.microsoft.com/office/drawing/2010/main" w="9525">
+              <a14:hiddenLine xmlns:a14="http://schemas.microsoft.com/office/drawing/2010/main" xmlns="" w="9525">
                 <a:solidFill>
                   <a:srgbClr val="000000"/>
                 </a:solidFill>
@@ -7824,7 +7859,7 @@
           </a:ln>
           <a:extLst>
             <a:ext uri="{91240B29-F687-4f45-9708-019B960494DF}">
-              <a14:hiddenLine xmlns:a14="http://schemas.microsoft.com/office/drawing/2010/main" w="9525">
+              <a14:hiddenLine xmlns:a14="http://schemas.microsoft.com/office/drawing/2010/main" xmlns="" w="9525">
                 <a:solidFill>
                   <a:srgbClr val="000000"/>
                 </a:solidFill>
@@ -7867,14 +7902,14 @@
           </a:ln>
           <a:extLst>
             <a:ext uri="{909E8E84-426E-40dd-AFC4-6F175D3DCCD1}">
-              <a14:hiddenFill xmlns:a14="http://schemas.microsoft.com/office/drawing/2010/main">
+              <a14:hiddenFill xmlns:a14="http://schemas.microsoft.com/office/drawing/2010/main" xmlns="">
                 <a:solidFill>
                   <a:srgbClr val="FFFFFF"/>
                 </a:solidFill>
               </a14:hiddenFill>
             </a:ext>
             <a:ext uri="{91240B29-F687-4f45-9708-019B960494DF}">
-              <a14:hiddenLine xmlns:a14="http://schemas.microsoft.com/office/drawing/2010/main" w="9525">
+              <a14:hiddenLine xmlns:a14="http://schemas.microsoft.com/office/drawing/2010/main" xmlns="" w="9525">
                 <a:solidFill>
                   <a:srgbClr val="000000"/>
                 </a:solidFill>
@@ -8192,7 +8227,7 @@
           </a:ln>
           <a:extLst>
             <a:ext uri="{91240B29-F687-4f45-9708-019B960494DF}">
-              <a14:hiddenLine xmlns:a14="http://schemas.microsoft.com/office/drawing/2010/main" w="9525">
+              <a14:hiddenLine xmlns:a14="http://schemas.microsoft.com/office/drawing/2010/main" xmlns="" w="9525">
                 <a:solidFill>
                   <a:srgbClr val="000000"/>
                 </a:solidFill>
@@ -8235,14 +8270,14 @@
           </a:ln>
           <a:extLst>
             <a:ext uri="{909E8E84-426E-40dd-AFC4-6F175D3DCCD1}">
-              <a14:hiddenFill xmlns:a14="http://schemas.microsoft.com/office/drawing/2010/main">
+              <a14:hiddenFill xmlns:a14="http://schemas.microsoft.com/office/drawing/2010/main" xmlns="">
                 <a:solidFill>
                   <a:srgbClr val="FFFFFF"/>
                 </a:solidFill>
               </a14:hiddenFill>
             </a:ext>
             <a:ext uri="{91240B29-F687-4f45-9708-019B960494DF}">
-              <a14:hiddenLine xmlns:a14="http://schemas.microsoft.com/office/drawing/2010/main" w="9525">
+              <a14:hiddenLine xmlns:a14="http://schemas.microsoft.com/office/drawing/2010/main" xmlns="" w="9525">
                 <a:solidFill>
                   <a:srgbClr val="000000"/>
                 </a:solidFill>
@@ -8560,7 +8595,7 @@
           </a:ln>
           <a:extLst>
             <a:ext uri="{91240B29-F687-4f45-9708-019B960494DF}">
-              <a14:hiddenLine xmlns:a14="http://schemas.microsoft.com/office/drawing/2010/main" w="9525">
+              <a14:hiddenLine xmlns:a14="http://schemas.microsoft.com/office/drawing/2010/main" xmlns="" w="9525">
                 <a:solidFill>
                   <a:srgbClr val="000000"/>
                 </a:solidFill>
@@ -8603,14 +8638,14 @@
           </a:ln>
           <a:extLst>
             <a:ext uri="{909E8E84-426E-40dd-AFC4-6F175D3DCCD1}">
-              <a14:hiddenFill xmlns:a14="http://schemas.microsoft.com/office/drawing/2010/main">
+              <a14:hiddenFill xmlns:a14="http://schemas.microsoft.com/office/drawing/2010/main" xmlns="">
                 <a:solidFill>
                   <a:srgbClr val="FFFFFF"/>
                 </a:solidFill>
               </a14:hiddenFill>
             </a:ext>
             <a:ext uri="{91240B29-F687-4f45-9708-019B960494DF}">
-              <a14:hiddenLine xmlns:a14="http://schemas.microsoft.com/office/drawing/2010/main" w="9525">
+              <a14:hiddenLine xmlns:a14="http://schemas.microsoft.com/office/drawing/2010/main" xmlns="" w="9525">
                 <a:solidFill>
                   <a:srgbClr val="000000"/>
                 </a:solidFill>
@@ -8966,14 +9001,14 @@
           </a:ln>
           <a:extLst>
             <a:ext uri="{909E8E84-426E-40dd-AFC4-6F175D3DCCD1}">
-              <a14:hiddenFill xmlns:a14="http://schemas.microsoft.com/office/drawing/2010/main">
+              <a14:hiddenFill xmlns:a14="http://schemas.microsoft.com/office/drawing/2010/main" xmlns="">
                 <a:solidFill>
                   <a:srgbClr val="FFFFFF"/>
                 </a:solidFill>
               </a14:hiddenFill>
             </a:ext>
             <a:ext uri="{91240B29-F687-4f45-9708-019B960494DF}">
-              <a14:hiddenLine xmlns:a14="http://schemas.microsoft.com/office/drawing/2010/main" w="9525">
+              <a14:hiddenLine xmlns:a14="http://schemas.microsoft.com/office/drawing/2010/main" xmlns="" w="9525">
                 <a:solidFill>
                   <a:srgbClr val="000000"/>
                 </a:solidFill>
@@ -9329,14 +9364,14 @@
           </a:ln>
           <a:extLst>
             <a:ext uri="{909E8E84-426E-40dd-AFC4-6F175D3DCCD1}">
-              <a14:hiddenFill xmlns:a14="http://schemas.microsoft.com/office/drawing/2010/main">
+              <a14:hiddenFill xmlns:a14="http://schemas.microsoft.com/office/drawing/2010/main" xmlns="">
                 <a:solidFill>
                   <a:srgbClr val="FFFFFF"/>
                 </a:solidFill>
               </a14:hiddenFill>
             </a:ext>
             <a:ext uri="{91240B29-F687-4f45-9708-019B960494DF}">
-              <a14:hiddenLine xmlns:a14="http://schemas.microsoft.com/office/drawing/2010/main" w="9525">
+              <a14:hiddenLine xmlns:a14="http://schemas.microsoft.com/office/drawing/2010/main" xmlns="" w="9525">
                 <a:solidFill>
                   <a:srgbClr val="000000"/>
                 </a:solidFill>
@@ -9654,14 +9689,14 @@
               </a:ln>
               <a:extLst>
                 <a:ext uri="{909E8E84-426E-40dd-AFC4-6F175D3DCCD1}">
-                  <a14:hiddenFill>
+                  <a14:hiddenFill xmlns="">
                     <a:solidFill>
                       <a:srgbClr val="FFFFFF"/>
                     </a:solidFill>
                   </a14:hiddenFill>
                 </a:ext>
                 <a:ext uri="{91240B29-F687-4f45-9708-019B960494DF}">
-                  <a14:hiddenLine w="9525">
+                  <a14:hiddenLine xmlns="" w="9525">
                     <a:solidFill>
                       <a:srgbClr val="000000"/>
                     </a:solidFill>
@@ -10116,7 +10151,7 @@
                   </a:spcAft>
                 </a:pPr>
                 <a14:m>
-                  <m:oMathPara xmlns="" xmlns:m="http://schemas.openxmlformats.org/officeDocument/2006/math">
+                  <m:oMathPara xmlns:m="http://schemas.openxmlformats.org/officeDocument/2006/math">
                     <m:oMathParaPr>
                       <m:jc m:val="centerGroup"/>
                     </m:oMathParaPr>
@@ -10225,7 +10260,7 @@
                                 <a:schemeClr val="tx1"/>
                               </a:solidFill>
                               <a:effectLst/>
-                              <a:latin typeface="Cambria Math"/>
+                              <a:latin typeface="Cambria Math" panose="02040503050406030204" pitchFamily="18" charset="0"/>
                               <a:ea typeface="SimSun"/>
                               <a:cs typeface="Times New Roman"/>
                             </a:rPr>
@@ -10283,7 +10318,7 @@
                   </a:spcAft>
                 </a:pPr>
                 <a14:m>
-                  <m:oMathPara xmlns="" xmlns:m="http://schemas.openxmlformats.org/officeDocument/2006/math">
+                  <m:oMathPara xmlns:m="http://schemas.openxmlformats.org/officeDocument/2006/math">
                     <m:oMathParaPr>
                       <m:jc m:val="centerGroup"/>
                     </m:oMathParaPr>
@@ -10380,7 +10415,7 @@
                                 <a:schemeClr val="tx1"/>
                               </a:solidFill>
                               <a:effectLst/>
-                              <a:latin typeface="Cambria Math"/>
+                              <a:latin typeface="Cambria Math" panose="02040503050406030204" pitchFamily="18" charset="0"/>
                               <a:ea typeface="SimSun"/>
                               <a:cs typeface="Times New Roman"/>
                             </a:rPr>
@@ -10508,7 +10543,7 @@
                   </a:spcAft>
                 </a:pPr>
                 <a14:m>
-                  <m:oMathPara xmlns="" xmlns:m="http://schemas.openxmlformats.org/officeDocument/2006/math">
+                  <m:oMathPara xmlns:m="http://schemas.openxmlformats.org/officeDocument/2006/math">
                     <m:oMathParaPr>
                       <m:jc m:val="centerGroup"/>
                     </m:oMathParaPr>
@@ -10533,7 +10568,7 @@
                                 <a:schemeClr val="tx1"/>
                               </a:solidFill>
                               <a:effectLst/>
-                              <a:latin typeface="Cambria Math"/>
+                              <a:latin typeface="Cambria Math" panose="02040503050406030204" pitchFamily="18" charset="0"/>
                               <a:ea typeface="SimSun"/>
                               <a:cs typeface="Times New Roman"/>
                             </a:rPr>
@@ -10574,7 +10609,7 @@
                                 <a:schemeClr val="tx1"/>
                               </a:solidFill>
                               <a:effectLst/>
-                              <a:latin typeface="Cambria Math"/>
+                              <a:latin typeface="Cambria Math" panose="02040503050406030204" pitchFamily="18" charset="0"/>
                               <a:ea typeface="SimSun"/>
                               <a:cs typeface="Times New Roman"/>
                             </a:rPr>
@@ -10629,7 +10664,7 @@
                                 <a:schemeClr val="tx1"/>
                               </a:solidFill>
                               <a:effectLst/>
-                              <a:latin typeface="Cambria Math"/>
+                              <a:latin typeface="Cambria Math" panose="02040503050406030204" pitchFamily="18" charset="0"/>
                               <a:ea typeface="SimSun"/>
                               <a:cs typeface="Times New Roman"/>
                             </a:rPr>
@@ -10733,7 +10768,7 @@
                   <a:t>Where </a:t>
                 </a:r>
                 <a14:m>
-                  <m:oMath xmlns="" xmlns:m="http://schemas.openxmlformats.org/officeDocument/2006/math">
+                  <m:oMath xmlns:m="http://schemas.openxmlformats.org/officeDocument/2006/math">
                     <m:r>
                       <a:rPr lang="en-CA" i="1">
                         <a:solidFill>
@@ -11054,14 +11089,14 @@
           </a:ln>
           <a:extLst>
             <a:ext uri="{909E8E84-426E-40dd-AFC4-6F175D3DCCD1}">
-              <a14:hiddenFill xmlns:a14="http://schemas.microsoft.com/office/drawing/2010/main">
+              <a14:hiddenFill xmlns:a14="http://schemas.microsoft.com/office/drawing/2010/main" xmlns="">
                 <a:solidFill>
                   <a:srgbClr val="FFFFFF"/>
                 </a:solidFill>
               </a14:hiddenFill>
             </a:ext>
             <a:ext uri="{91240B29-F687-4f45-9708-019B960494DF}">
-              <a14:hiddenLine xmlns:a14="http://schemas.microsoft.com/office/drawing/2010/main" w="9525">
+              <a14:hiddenLine xmlns:a14="http://schemas.microsoft.com/office/drawing/2010/main" xmlns="" w="9525">
                 <a:solidFill>
                   <a:srgbClr val="000000"/>
                 </a:solidFill>
@@ -11108,14 +11143,14 @@
           </a:ln>
           <a:extLst>
             <a:ext uri="{909E8E84-426E-40dd-AFC4-6F175D3DCCD1}">
-              <a14:hiddenFill xmlns:a14="http://schemas.microsoft.com/office/drawing/2010/main">
+              <a14:hiddenFill xmlns:a14="http://schemas.microsoft.com/office/drawing/2010/main" xmlns="">
                 <a:solidFill>
                   <a:srgbClr val="FFFFFF"/>
                 </a:solidFill>
               </a14:hiddenFill>
             </a:ext>
             <a:ext uri="{91240B29-F687-4f45-9708-019B960494DF}">
-              <a14:hiddenLine xmlns:a14="http://schemas.microsoft.com/office/drawing/2010/main" w="9525">
+              <a14:hiddenLine xmlns:a14="http://schemas.microsoft.com/office/drawing/2010/main" xmlns="" w="9525">
                 <a:solidFill>
                   <a:srgbClr val="000000"/>
                 </a:solidFill>
@@ -11161,14 +11196,14 @@
           </a:ln>
           <a:extLst>
             <a:ext uri="{909E8E84-426E-40dd-AFC4-6F175D3DCCD1}">
-              <a14:hiddenFill xmlns:a14="http://schemas.microsoft.com/office/drawing/2010/main">
+              <a14:hiddenFill xmlns:a14="http://schemas.microsoft.com/office/drawing/2010/main" xmlns="">
                 <a:solidFill>
                   <a:srgbClr val="FFFFFF"/>
                 </a:solidFill>
               </a14:hiddenFill>
             </a:ext>
             <a:ext uri="{91240B29-F687-4f45-9708-019B960494DF}">
-              <a14:hiddenLine xmlns:a14="http://schemas.microsoft.com/office/drawing/2010/main" w="9525">
+              <a14:hiddenLine xmlns:a14="http://schemas.microsoft.com/office/drawing/2010/main" xmlns="" w="9525">
                 <a:solidFill>
                   <a:srgbClr val="000000"/>
                 </a:solidFill>
@@ -11356,7 +11391,7 @@
                   <a:t>Otherwise, calculate the difference between these two objective values </a:t>
                 </a:r>
                 <a14:m>
-                  <m:oMath xmlns="" xmlns:m="http://schemas.openxmlformats.org/officeDocument/2006/math">
+                  <m:oMath xmlns:m="http://schemas.openxmlformats.org/officeDocument/2006/math">
                     <m:r>
                       <a:rPr lang="en-CA" sz="1200" i="1">
                         <a:solidFill>
@@ -11415,7 +11450,7 @@
                   <a:t>Calculating </a:t>
                 </a:r>
                 <a14:m>
-                  <m:oMath xmlns="" xmlns:m="http://schemas.openxmlformats.org/officeDocument/2006/math">
+                  <m:oMath xmlns:m="http://schemas.openxmlformats.org/officeDocument/2006/math">
                     <m:r>
                       <a:rPr lang="en-CA" sz="1200" i="1">
                         <a:solidFill>
@@ -11448,7 +11483,7 @@
                               <a:schemeClr val="tx1"/>
                             </a:solidFill>
                             <a:effectLst/>
-                            <a:latin typeface="Cambria Math"/>
+                            <a:latin typeface="Cambria Math" panose="02040503050406030204" pitchFamily="18" charset="0"/>
                             <a:ea typeface="SimSun"/>
                             <a:cs typeface="Times New Roman"/>
                           </a:rPr>
@@ -11478,7 +11513,7 @@
                                   <a:schemeClr val="tx1"/>
                                 </a:solidFill>
                                 <a:effectLst/>
-                                <a:latin typeface="Cambria Math"/>
+                                <a:latin typeface="Cambria Math" panose="02040503050406030204" pitchFamily="18" charset="0"/>
                                 <a:ea typeface="SimSun"/>
                                 <a:cs typeface="Times New Roman"/>
                               </a:rPr>
@@ -11692,8 +11727,9 @@
                 </a:r>
               </a:p>
               <a:p>
+                <a:pPr/>
                 <a14:m>
-                  <m:oMathPara xmlns="" xmlns:m="http://schemas.openxmlformats.org/officeDocument/2006/math">
+                  <m:oMathPara xmlns:m="http://schemas.openxmlformats.org/officeDocument/2006/math">
                     <m:oMathParaPr>
                       <m:jc m:val="centerGroup"/>
                     </m:oMathParaPr>
@@ -11705,7 +11741,7 @@
                               <a:solidFill>
                                 <a:schemeClr val="tx1"/>
                               </a:solidFill>
-                              <a:latin typeface="Cambria Math"/>
+                              <a:latin typeface="Cambria Math" panose="02040503050406030204" pitchFamily="18" charset="0"/>
                             </a:rPr>
                           </m:ctrlPr>
                         </m:sSubPr>
@@ -11766,7 +11802,7 @@
                               <a:solidFill>
                                 <a:schemeClr val="tx1"/>
                               </a:solidFill>
-                              <a:latin typeface="Cambria Math"/>
+                              <a:latin typeface="Cambria Math" panose="02040503050406030204" pitchFamily="18" charset="0"/>
                             </a:rPr>
                           </m:ctrlPr>
                         </m:sSubPr>
@@ -11812,7 +11848,7 @@
                   <a:t>Set </a:t>
                 </a:r>
                 <a14:m>
-                  <m:oMath xmlns="" xmlns:m="http://schemas.openxmlformats.org/officeDocument/2006/math">
+                  <m:oMath xmlns:m="http://schemas.openxmlformats.org/officeDocument/2006/math">
                     <m:r>
                       <a:rPr lang="en-CA" sz="1200" i="1">
                         <a:solidFill>
@@ -11891,8 +11927,8 @@
           </p:sp>
         </mc:Fallback>
       </mc:AlternateContent>
-      <mc:AlternateContent xmlns:mc="http://schemas.openxmlformats.org/markup-compatibility/2006" xmlns:a14="http://schemas.microsoft.com/office/drawing/2010/main">
-        <mc:Choice Requires="a14">
+      <mc:AlternateContent xmlns:mc="http://schemas.openxmlformats.org/markup-compatibility/2006">
+        <mc:Choice xmlns:a14="http://schemas.microsoft.com/office/drawing/2010/main" Requires="a14">
           <p:sp>
             <p:nvSpPr>
               <p:cNvPr id="5" name="TextBox 4"/>
@@ -11995,7 +12031,7 @@
                   <a:t>, it will do a roulette wheel selection based on </a:t>
                 </a:r>
                 <a14:m>
-                  <m:oMath xmlns="" xmlns:m="http://schemas.openxmlformats.org/officeDocument/2006/math">
+                  <m:oMath xmlns:m="http://schemas.openxmlformats.org/officeDocument/2006/math">
                     <m:f>
                       <m:fPr>
                         <m:ctrlPr>
@@ -12004,7 +12040,7 @@
                               <a:schemeClr val="tx1"/>
                             </a:solidFill>
                             <a:effectLst/>
-                            <a:latin typeface="Cambria Math"/>
+                            <a:latin typeface="Cambria Math" panose="02040503050406030204" pitchFamily="18" charset="0"/>
                             <a:ea typeface="SimSun"/>
                             <a:cs typeface="Times New Roman"/>
                           </a:rPr>
@@ -12121,7 +12157,66 @@
                     <a:ea typeface="SimSun"/>
                     <a:cs typeface="Times New Roman"/>
                   </a:rPr>
-                  <a:t>Only the best ants in each round can deposit pheromone on its path.</a:t>
+                  <a:t>Only the </a:t>
+                </a:r>
+                <a:r>
+                  <a:rPr lang="en-CA" sz="1200" dirty="0" smtClean="0">
+                    <a:solidFill>
+                      <a:schemeClr val="tx1"/>
+                    </a:solidFill>
+                    <a:effectLst/>
+                    <a:latin typeface="+mn-lt"/>
+                    <a:ea typeface="SimSun"/>
+                    <a:cs typeface="Times New Roman"/>
+                  </a:rPr>
+                  <a:t>global best ants </a:t>
+                </a:r>
+                <a:r>
+                  <a:rPr lang="en-CA" sz="1200" dirty="0">
+                    <a:solidFill>
+                      <a:schemeClr val="tx1"/>
+                    </a:solidFill>
+                    <a:effectLst/>
+                    <a:latin typeface="+mn-lt"/>
+                    <a:ea typeface="SimSun"/>
+                    <a:cs typeface="Times New Roman"/>
+                  </a:rPr>
+                  <a:t>can deposit pheromone on </a:t>
+                </a:r>
+                <a:r>
+                  <a:rPr lang="en-CA" sz="1200" dirty="0" smtClean="0">
+                    <a:solidFill>
+                      <a:schemeClr val="tx1"/>
+                    </a:solidFill>
+                    <a:latin typeface="+mn-lt"/>
+                    <a:ea typeface="SimSun"/>
+                    <a:cs typeface="Times New Roman"/>
+                  </a:rPr>
+                  <a:t>their</a:t>
+                </a:r>
+                <a:r>
+                  <a:rPr lang="en-CA" sz="1200" dirty="0" smtClean="0">
+                    <a:solidFill>
+                      <a:schemeClr val="tx1"/>
+                    </a:solidFill>
+                    <a:effectLst/>
+                    <a:latin typeface="+mn-lt"/>
+                    <a:ea typeface="SimSun"/>
+                    <a:cs typeface="Times New Roman"/>
+                  </a:rPr>
+                  <a:t> </a:t>
+                </a:r>
+                <a:r>
+                  <a:rPr lang="en-CA" sz="1200" dirty="0">
+                    <a:solidFill>
+                      <a:schemeClr val="tx1"/>
+                    </a:solidFill>
+                    <a:effectLst/>
+                    <a:latin typeface="+mn-lt"/>
+                    <a:ea typeface="SimSun"/>
+                    <a:cs typeface="Times New Roman"/>
+                  </a:rPr>
+                  <a:t>path.</a:t>
                 </a:r>
               </a:p>
               <a:p>
@@ -12146,7 +12241,7 @@
                   <a:t>The number of pheromone deposited equals to </a:t>
                 </a:r>
                 <a14:m>
-                  <m:oMath xmlns="" xmlns:m="http://schemas.openxmlformats.org/officeDocument/2006/math">
+                  <m:oMath xmlns:m="http://schemas.openxmlformats.org/officeDocument/2006/math">
                     <m:r>
                       <a:rPr lang="en-CA" sz="1200" i="1">
                         <a:solidFill>
@@ -12191,7 +12286,7 @@
                               <a:schemeClr val="tx1"/>
                             </a:solidFill>
                             <a:effectLst/>
-                            <a:latin typeface="Cambria Math"/>
+                            <a:latin typeface="Cambria Math" panose="02040503050406030204" pitchFamily="18" charset="0"/>
                             <a:ea typeface="SimSun"/>
                             <a:cs typeface="Times New Roman"/>
                           </a:rPr>
@@ -12268,7 +12363,7 @@
             </p:txBody>
           </p:sp>
         </mc:Choice>
-        <mc:Fallback xmlns="">
+        <mc:Fallback>
           <p:sp>
             <p:nvSpPr>
               <p:cNvPr id="5" name="TextBox 4"/>
@@ -12285,10 +12380,10 @@
               <a:prstGeom prst="rect">
                 <a:avLst/>
               </a:prstGeom>
-              <a:blipFill rotWithShape="1">
+              <a:blipFill rotWithShape="0">
                 <a:blip r:embed="rId11"/>
                 <a:stretch>
-                  <a:fillRect t="-261"/>
+                  <a:fillRect t="-522"/>
                 </a:stretch>
               </a:blipFill>
             </p:spPr>
@@ -13858,11 +13953,11 @@
   <p:clrMapOvr>
     <a:masterClrMapping/>
   </p:clrMapOvr>
-  <p:transition xmlns:p14="http://schemas.microsoft.com/office/powerpoint/2010/main" spd="med"/>
+  <p:transition spd="med"/>
   <p:timing>
     <p:tnLst>
       <p:par>
-        <p:cTn xmlns:p14="http://schemas.microsoft.com/office/powerpoint/2010/main" id="1" dur="indefinite" restart="never" nodeType="tmRoot">
+        <p:cTn id="1" dur="indefinite" restart="never" nodeType="tmRoot">
           <p:childTnLst>
             <p:seq concurrent="1" nextAc="seek">
               <p:cTn id="2" dur="0" nodeType="mainSeq"/>

--- a/Poster.pptx
+++ b/Poster.pptx
@@ -570,7 +570,7 @@
           <a:bodyPr wrap="none" anchor="ctr"/>
           <a:lstStyle/>
           <a:p>
-            <a:endParaRPr lang="en-US" smtClean="0"/>
+            <a:endParaRPr lang="en-US" dirty="0" smtClean="0"/>
           </a:p>
         </p:txBody>
       </p:sp>
@@ -4341,8 +4341,8 @@
           </a:p>
         </p:txBody>
       </p:sp>
-      <mc:AlternateContent xmlns:mc="http://schemas.openxmlformats.org/markup-compatibility/2006" xmlns:a14="http://schemas.microsoft.com/office/drawing/2010/main">
-        <mc:Choice Requires="a14">
+      <mc:AlternateContent xmlns:mc="http://schemas.openxmlformats.org/markup-compatibility/2006">
+        <mc:Choice xmlns:a14="http://schemas.microsoft.com/office/drawing/2010/main" Requires="a14">
           <p:sp>
             <p:nvSpPr>
               <p:cNvPr id="2056" name="Text Box 20"/>
@@ -4671,7 +4671,31 @@
                     <a:ea typeface="SimSun"/>
                     <a:cs typeface="Times New Roman"/>
                   </a:rPr>
-                  <a:t>The job shop scheduling problem (JSSP) is an optimization problem which can be applied in real workshops. The main target is to assign a certain number of jobs (n) to a certain number of machines (m) so that to achieve the minimum </a:t>
+                  <a:t>The job shop scheduling problem (JSSP) is an optimization problem which can be applied in real workshops. The main target is to assign a certain number of jobs (n) to a certain number of machines (m) </a:t>
+                </a:r>
+                <a:r>
+                  <a:rPr lang="en-CA" dirty="0" smtClean="0">
+                    <a:solidFill>
+                      <a:schemeClr val="tx1"/>
+                    </a:solidFill>
+                    <a:effectLst/>
+                    <a:latin typeface="+mn-lt"/>
+                    <a:ea typeface="SimSun"/>
+                    <a:cs typeface="Times New Roman"/>
+                  </a:rPr>
+                  <a:t>in order to </a:t>
+                </a:r>
+                <a:r>
+                  <a:rPr lang="en-CA" dirty="0" smtClean="0">
+                    <a:solidFill>
+                      <a:schemeClr val="tx1"/>
+                    </a:solidFill>
+                    <a:effectLst/>
+                    <a:latin typeface="+mn-lt"/>
+                    <a:ea typeface="SimSun"/>
+                    <a:cs typeface="Times New Roman"/>
+                  </a:rPr>
+                  <a:t>achieve the minimum </a:t>
                 </a:r>
                 <a:r>
                   <a:rPr lang="en-CA" dirty="0" err="1" smtClean="0">
@@ -4695,7 +4719,79 @@
                     <a:ea typeface="SimSun"/>
                     <a:cs typeface="Times New Roman"/>
                   </a:rPr>
-                  <a:t>. Usually the number of jobs is larger than the number of machines and different jobs may have different processing time, so different assignment strategies will lead to different </a:t>
+                  <a:t>. Usually the number of jobs is </a:t>
+                </a:r>
+                <a:r>
+                  <a:rPr lang="en-CA" dirty="0" smtClean="0">
+                    <a:solidFill>
+                      <a:schemeClr val="tx1"/>
+                    </a:solidFill>
+                    <a:effectLst/>
+                    <a:latin typeface="+mn-lt"/>
+                    <a:ea typeface="SimSun"/>
+                    <a:cs typeface="Times New Roman"/>
+                  </a:rPr>
+                  <a:t>greater than </a:t>
+                </a:r>
+                <a:r>
+                  <a:rPr lang="en-CA" dirty="0" smtClean="0">
+                    <a:solidFill>
+                      <a:schemeClr val="tx1"/>
+                    </a:solidFill>
+                    <a:effectLst/>
+                    <a:latin typeface="+mn-lt"/>
+                    <a:ea typeface="SimSun"/>
+                    <a:cs typeface="Times New Roman"/>
+                  </a:rPr>
+                  <a:t>the number of </a:t>
+                </a:r>
+                <a:r>
+                  <a:rPr lang="en-CA" dirty="0" smtClean="0">
+                    <a:solidFill>
+                      <a:schemeClr val="tx1"/>
+                    </a:solidFill>
+                    <a:effectLst/>
+                    <a:latin typeface="+mn-lt"/>
+                    <a:ea typeface="SimSun"/>
+                    <a:cs typeface="Times New Roman"/>
+                  </a:rPr>
+                  <a:t>machines, </a:t>
+                </a:r>
+                <a:r>
+                  <a:rPr lang="en-CA" dirty="0" smtClean="0">
+                    <a:solidFill>
+                      <a:schemeClr val="tx1"/>
+                    </a:solidFill>
+                    <a:effectLst/>
+                    <a:latin typeface="+mn-lt"/>
+                    <a:ea typeface="SimSun"/>
+                    <a:cs typeface="Times New Roman"/>
+                  </a:rPr>
+                  <a:t>and different jobs </a:t>
+                </a:r>
+                <a:r>
+                  <a:rPr lang="en-CA" dirty="0" smtClean="0">
+                    <a:solidFill>
+                      <a:schemeClr val="tx1"/>
+                    </a:solidFill>
+                    <a:effectLst/>
+                    <a:latin typeface="+mn-lt"/>
+                    <a:ea typeface="SimSun"/>
+                    <a:cs typeface="Times New Roman"/>
+                  </a:rPr>
+                  <a:t>may have different </a:t>
+                </a:r>
+                <a:r>
+                  <a:rPr lang="en-CA" dirty="0" smtClean="0">
+                    <a:solidFill>
+                      <a:schemeClr val="tx1"/>
+                    </a:solidFill>
+                    <a:effectLst/>
+                    <a:latin typeface="+mn-lt"/>
+                    <a:ea typeface="SimSun"/>
+                    <a:cs typeface="Times New Roman"/>
+                  </a:rPr>
+                  <a:t>processing time, so different assignment strategies will lead to different </a:t>
                 </a:r>
                 <a:r>
                   <a:rPr lang="en-CA" dirty="0" err="1" smtClean="0">
@@ -4719,7 +4815,19 @@
                     <a:ea typeface="SimSun"/>
                     <a:cs typeface="Times New Roman"/>
                   </a:rPr>
-                  <a:t>. There are </a:t>
+                  <a:t>. </a:t>
+                </a:r>
+                <a:r>
+                  <a:rPr lang="en-CA" dirty="0" smtClean="0">
+                    <a:solidFill>
+                      <a:schemeClr val="tx1"/>
+                    </a:solidFill>
+                    <a:effectLst/>
+                    <a:latin typeface="+mn-lt"/>
+                    <a:ea typeface="SimSun"/>
+                    <a:cs typeface="Times New Roman"/>
+                  </a:rPr>
+                  <a:t>There are </a:t>
                 </a:r>
                 <a14:m>
                   <m:oMath xmlns:m="http://schemas.openxmlformats.org/officeDocument/2006/math">
@@ -4778,13 +4886,61 @@
                     <a:ea typeface="SimSun"/>
                     <a:cs typeface="Times New Roman"/>
                   </a:rPr>
-                  <a:t> assignment options in total, so it is not viable to illustrate all possible assignment options for large m and n. In this case, how to use algorithms to achieve optimum objectives or acceptable sub-optimum objectives in a certain amount of time is a challenging work. Our motivation to attempt the JSSP is because it is a challenging problem and it is highly related to real life.</a:t>
+                  <a:t> assignment options in total, so it is not viable to illustrate all possible assignment options for large m and n. In this case, how to use algorithms to achieve optimum objectives or acceptable sub-optimum objectives in a </a:t>
+                </a:r>
+                <a:r>
+                  <a:rPr lang="en-CA" dirty="0" smtClean="0">
+                    <a:solidFill>
+                      <a:schemeClr val="tx1"/>
+                    </a:solidFill>
+                    <a:effectLst/>
+                    <a:latin typeface="+mn-lt"/>
+                    <a:ea typeface="SimSun"/>
+                    <a:cs typeface="Times New Roman"/>
+                  </a:rPr>
+                  <a:t>limited amount </a:t>
+                </a:r>
+                <a:r>
+                  <a:rPr lang="en-CA" dirty="0">
+                    <a:solidFill>
+                      <a:schemeClr val="tx1"/>
+                    </a:solidFill>
+                    <a:effectLst/>
+                    <a:latin typeface="+mn-lt"/>
+                    <a:ea typeface="SimSun"/>
+                    <a:cs typeface="Times New Roman"/>
+                  </a:rPr>
+                  <a:t>of time is a challenging work. Our motivation to attempt the JSSP is </a:t>
+                </a:r>
+                <a:r>
+                  <a:rPr lang="en-CA" dirty="0" smtClean="0">
+                    <a:solidFill>
+                      <a:schemeClr val="tx1"/>
+                    </a:solidFill>
+                    <a:effectLst/>
+                    <a:latin typeface="+mn-lt"/>
+                    <a:ea typeface="SimSun"/>
+                    <a:cs typeface="Times New Roman"/>
+                  </a:rPr>
+                  <a:t>that it </a:t>
+                </a:r>
+                <a:r>
+                  <a:rPr lang="en-CA" dirty="0">
+                    <a:solidFill>
+                      <a:schemeClr val="tx1"/>
+                    </a:solidFill>
+                    <a:effectLst/>
+                    <a:latin typeface="+mn-lt"/>
+                    <a:ea typeface="SimSun"/>
+                    <a:cs typeface="Times New Roman"/>
+                  </a:rPr>
+                  <a:t>is a challenging problem and it is highly related to real life.</a:t>
                 </a:r>
               </a:p>
             </p:txBody>
           </p:sp>
         </mc:Choice>
-        <mc:Fallback xmlns="">
+        <mc:Fallback>
           <p:sp>
             <p:nvSpPr>
               <p:cNvPr id="2056" name="Text Box 20"/>
@@ -4801,7 +4957,7 @@
               <a:prstGeom prst="rect">
                 <a:avLst/>
               </a:prstGeom>
-              <a:blipFill rotWithShape="1">
+              <a:blipFill rotWithShape="0">
                 <a:blip r:embed="rId3"/>
                 <a:stretch>
                   <a:fillRect l="-253" r="-269" b="-3484"/>
@@ -4811,15 +4967,15 @@
                 <a:noFill/>
               </a:ln>
               <a:extLst>
-                <a:ext uri="{909E8E84-426E-40DD-AFC4-6F175D3DCCD1}">
-                  <a14:hiddenFill xmlns:a14="http://schemas.microsoft.com/office/drawing/2010/main">
+                <a:ext uri="{909E8E84-426E-40dd-AFC4-6F175D3DCCD1}">
+                  <a14:hiddenFill xmlns:a14="http://schemas.microsoft.com/office/drawing/2010/main" xmlns="">
                     <a:solidFill>
                       <a:srgbClr val="FFFFFF"/>
                     </a:solidFill>
                   </a14:hiddenFill>
                 </a:ext>
-                <a:ext uri="{91240B29-F687-4F45-9708-019B960494DF}">
-                  <a14:hiddenLine xmlns:a14="http://schemas.microsoft.com/office/drawing/2010/main" w="9525">
+                <a:ext uri="{91240B29-F687-4f45-9708-019B960494DF}">
+                  <a14:hiddenLine xmlns:a14="http://schemas.microsoft.com/office/drawing/2010/main" xmlns="" w="9525">
                     <a:solidFill>
                       <a:srgbClr val="000000"/>
                     </a:solidFill>
@@ -6784,7 +6940,7 @@
           <a:p>
             <a:pPr eaLnBrk="1" hangingPunct="1"/>
             <a:r>
-              <a:rPr lang="en-US" sz="7200" b="1">
+              <a:rPr lang="en-US" sz="7200" b="1" dirty="0">
                 <a:solidFill>
                   <a:schemeClr val="tx1"/>
                 </a:solidFill>
@@ -7414,7 +7570,7 @@
                 </a:solidFill>
                 <a:latin typeface="+mn-lt"/>
               </a:rPr>
-              <a:t>on our experiment of 5 </a:t>
+              <a:t>on our experiment of </a:t>
             </a:r>
             <a:r>
               <a:rPr lang="en-GB" sz="2200" dirty="0" smtClean="0">
@@ -7423,6 +7579,15 @@
                 </a:solidFill>
                 <a:latin typeface="+mn-lt"/>
               </a:rPr>
+              <a:t>five </a:t>
+            </a:r>
+            <a:r>
+              <a:rPr lang="en-GB" sz="2200" dirty="0" smtClean="0">
+                <a:solidFill>
+                  <a:srgbClr val="000000"/>
+                </a:solidFill>
+                <a:latin typeface="+mn-lt"/>
+              </a:rPr>
               <a:t>different </a:t>
             </a:r>
             <a:r>
@@ -7441,7 +7606,106 @@
                 </a:solidFill>
                 <a:latin typeface="+mn-lt"/>
               </a:rPr>
-              <a:t> algorithm for two different test points of our simplified job shop scheduling problem, it is concluded that in the same number of iterations GA finds the most optimal solution, and SA takes the minimum CPU time to converge. In the same number of iterations, TS finds the least optimal solution, while consuming a moderate amount of CPU time to converge, therefore it is considered the worst solution for this problem. SA finds the second worst solution however it takes only a fraction of CPU time comparing to other algorithms, therefor SA is still a good solution for this problem when computation resources are limited and only a sub-optimal solution is desired. For both test points, ACO finds the third best solution however it consumed large amount of CPU time to converge, therefore it’s not considered a desired solution. PSO finds the second best solution and also takes second most CPU time to converge. GA finds the most optimal solution and take the most CPU time to converge. Therefore depending on the amount of CPU power and the how good the solution needs to be, PSO and GA are both good solution for this problem. </a:t>
+              <a:t> algorithms </a:t>
+            </a:r>
+            <a:r>
+              <a:rPr lang="en-GB" sz="2200" dirty="0" smtClean="0">
+                <a:solidFill>
+                  <a:srgbClr val="000000"/>
+                </a:solidFill>
+                <a:latin typeface="+mn-lt"/>
+              </a:rPr>
+              <a:t>for two different test points of our simplified job shop scheduling problem, it is concluded that in the same number of iterations GA finds the most optimal solution, and SA takes the minimum CPU time to converge. In the same number of iterations, TS finds the least optimal solution, while consuming a moderate amount of CPU time to converge, therefore it is considered </a:t>
+            </a:r>
+            <a:r>
+              <a:rPr lang="en-GB" sz="2200" dirty="0" smtClean="0">
+                <a:solidFill>
+                  <a:srgbClr val="000000"/>
+                </a:solidFill>
+                <a:latin typeface="+mn-lt"/>
+              </a:rPr>
+              <a:t>as the </a:t>
+            </a:r>
+            <a:r>
+              <a:rPr lang="en-GB" sz="2200" dirty="0" smtClean="0">
+                <a:solidFill>
+                  <a:srgbClr val="000000"/>
+                </a:solidFill>
+                <a:latin typeface="+mn-lt"/>
+              </a:rPr>
+              <a:t>worst solution for this problem. SA finds the second worst solution </a:t>
+            </a:r>
+            <a:r>
+              <a:rPr lang="en-GB" sz="2200" dirty="0" smtClean="0">
+                <a:solidFill>
+                  <a:srgbClr val="000000"/>
+                </a:solidFill>
+                <a:latin typeface="+mn-lt"/>
+              </a:rPr>
+              <a:t>but it </a:t>
+            </a:r>
+            <a:r>
+              <a:rPr lang="en-GB" sz="2200" dirty="0" smtClean="0">
+                <a:solidFill>
+                  <a:srgbClr val="000000"/>
+                </a:solidFill>
+                <a:latin typeface="+mn-lt"/>
+              </a:rPr>
+              <a:t>takes only a fraction of CPU time comparing to other </a:t>
+            </a:r>
+            <a:r>
+              <a:rPr lang="en-GB" sz="2200" dirty="0" smtClean="0">
+                <a:solidFill>
+                  <a:srgbClr val="000000"/>
+                </a:solidFill>
+                <a:latin typeface="+mn-lt"/>
+              </a:rPr>
+              <a:t>algorithms; therefore </a:t>
+            </a:r>
+            <a:r>
+              <a:rPr lang="en-GB" sz="2200" dirty="0" smtClean="0">
+                <a:solidFill>
+                  <a:srgbClr val="000000"/>
+                </a:solidFill>
+                <a:latin typeface="+mn-lt"/>
+              </a:rPr>
+              <a:t>SA is still a good solution for this problem when computation resources are limited and only a sub-optimal solution is desired. For both test points, ACO finds the third best solution however it consumed large amount of CPU time to converge, therefore it’s not considered a desired solution. PSO finds the second best solution and also takes second most CPU time to converge. GA finds the most optimal solution and </a:t>
+            </a:r>
+            <a:r>
+              <a:rPr lang="en-GB" sz="2200" dirty="0" smtClean="0">
+                <a:solidFill>
+                  <a:srgbClr val="000000"/>
+                </a:solidFill>
+                <a:latin typeface="+mn-lt"/>
+              </a:rPr>
+              <a:t>takes </a:t>
+            </a:r>
+            <a:r>
+              <a:rPr lang="en-GB" sz="2200" dirty="0" smtClean="0">
+                <a:solidFill>
+                  <a:srgbClr val="000000"/>
+                </a:solidFill>
+                <a:latin typeface="+mn-lt"/>
+              </a:rPr>
+              <a:t>the most CPU time to converge. Therefore depending on the amount of CPU power and the how good the solution needs to be, PSO and GA are both </a:t>
+            </a:r>
+            <a:r>
+              <a:rPr lang="en-GB" sz="2200" dirty="0" smtClean="0">
+                <a:solidFill>
+                  <a:srgbClr val="000000"/>
+                </a:solidFill>
+                <a:latin typeface="+mn-lt"/>
+              </a:rPr>
+              <a:t>appropriate to solve this </a:t>
+            </a:r>
+            <a:r>
+              <a:rPr lang="en-GB" sz="2200" dirty="0" smtClean="0">
+                <a:solidFill>
+                  <a:srgbClr val="000000"/>
+                </a:solidFill>
+                <a:latin typeface="+mn-lt"/>
+              </a:rPr>
+              <a:t>problem. </a:t>
             </a:r>
             <a:endParaRPr lang="en-GB" sz="2200" dirty="0">
               <a:solidFill>
@@ -13092,12 +13356,20 @@
               </a:lnSpc>
             </a:pPr>
             <a:r>
+              <a:rPr lang="en-CA" sz="1200" dirty="0" smtClean="0">
+                <a:solidFill>
+                  <a:schemeClr val="tx1"/>
+                </a:solidFill>
+              </a:rPr>
+              <a:t>-All </a:t>
+            </a:r>
+            <a:r>
               <a:rPr lang="en-CA" sz="1200" dirty="0">
                 <a:solidFill>
                   <a:schemeClr val="tx1"/>
                 </a:solidFill>
               </a:rPr>
-              <a:t>- All particles starts with 0 speed at all n directions.</a:t>
+              <a:t>particles starts with 0 speed at all n directions.</a:t>
             </a:r>
           </a:p>
           <a:p>
@@ -13112,7 +13384,15 @@
                   <a:schemeClr val="tx1"/>
                 </a:solidFill>
               </a:rPr>
-              <a:t>- All </a:t>
+              <a:t>-</a:t>
+            </a:r>
+            <a:r>
+              <a:rPr lang="en-CA" sz="1200" dirty="0" smtClean="0">
+                <a:solidFill>
+                  <a:schemeClr val="tx1"/>
+                </a:solidFill>
+              </a:rPr>
+              <a:t>All </a:t>
             </a:r>
             <a:r>
               <a:rPr lang="en-CA" sz="1200" dirty="0">
@@ -13234,7 +13514,15 @@
                   <a:schemeClr val="tx1"/>
                 </a:solidFill>
               </a:rPr>
-              <a:t>- Speed is calculated based on each particle’s personal best solution and the best solution of its neighbour. c1 </a:t>
+              <a:t>-Speed </a:t>
+            </a:r>
+            <a:r>
+              <a:rPr lang="en-CA" sz="1200" dirty="0" smtClean="0">
+                <a:solidFill>
+                  <a:schemeClr val="tx1"/>
+                </a:solidFill>
+              </a:rPr>
+              <a:t>is calculated based on each particle’s personal best solution and the best solution of its neighbour. c1 </a:t>
             </a:r>
             <a:r>
               <a:rPr lang="en-CA" sz="1200" dirty="0">
@@ -13265,7 +13553,7 @@
                   <a:schemeClr val="tx1"/>
                 </a:solidFill>
               </a:rPr>
-              <a:t>- The </a:t>
+              <a:t>-The </a:t>
             </a:r>
             <a:r>
               <a:rPr lang="en-CA" sz="1200" dirty="0">
@@ -13281,7 +13569,7 @@
                   <a:schemeClr val="tx1"/>
                 </a:solidFill>
               </a:rPr>
-              <a:t>- When </a:t>
+              <a:t>when </a:t>
             </a:r>
             <a:r>
               <a:rPr lang="en-CA" sz="1200" dirty="0">
@@ -13299,12 +13587,20 @@
               </a:lnSpc>
             </a:pPr>
             <a:r>
+              <a:rPr lang="en-CA" sz="1200" smtClean="0">
+                <a:solidFill>
+                  <a:schemeClr val="tx1"/>
+                </a:solidFill>
+              </a:rPr>
+              <a:t>-Asynchronous </a:t>
+            </a:r>
+            <a:r>
               <a:rPr lang="en-CA" sz="1200" dirty="0">
                 <a:solidFill>
                   <a:schemeClr val="tx1"/>
                 </a:solidFill>
               </a:rPr>
-              <a:t>Asynchronous update method is used to reduce run time load requirement, neighbour best is updated when all particle finishes its calculation for its current round</a:t>
+              <a:t>update method is used to reduce run time load requirement, neighbour best is updated when all particle finishes its calculation for its current round</a:t>
             </a:r>
             <a:r>
               <a:rPr lang="en-CA" sz="1200" dirty="0" smtClean="0">
@@ -13513,7 +13809,25 @@
                 </a:solidFill>
                 <a:latin typeface="+mn-lt"/>
               </a:rPr>
-              <a:t>Probability was set to </a:t>
+              <a:t>p</a:t>
+            </a:r>
+            <a:r>
+              <a:rPr lang="en-CA" sz="1200" dirty="0" smtClean="0">
+                <a:solidFill>
+                  <a:srgbClr val="222222"/>
+                </a:solidFill>
+                <a:latin typeface="+mn-lt"/>
+              </a:rPr>
+              <a:t>robability </a:t>
+            </a:r>
+            <a:r>
+              <a:rPr lang="en-CA" sz="1200" dirty="0">
+                <a:solidFill>
+                  <a:srgbClr val="222222"/>
+                </a:solidFill>
+                <a:latin typeface="+mn-lt"/>
+              </a:rPr>
+              <a:t>was set to </a:t>
             </a:r>
             <a:r>
               <a:rPr lang="en-CA" sz="1200" dirty="0" smtClean="0">
